--- a/Advanced Reactor Materials/LecX_carbide_nitride.pptx
+++ b/Advanced Reactor Materials/LecX_carbide_nitride.pptx
@@ -4,9 +4,21 @@
   <p:sldMasterIdLst>
     <p:sldMasterId id="2147483660" r:id="rId1"/>
   </p:sldMasterIdLst>
+  <p:notesMasterIdLst>
+    <p:notesMasterId r:id="rId13"/>
+  </p:notesMasterIdLst>
   <p:sldIdLst>
     <p:sldId id="257" r:id="rId2"/>
     <p:sldId id="407" r:id="rId3"/>
+    <p:sldId id="408" r:id="rId4"/>
+    <p:sldId id="409" r:id="rId5"/>
+    <p:sldId id="410" r:id="rId6"/>
+    <p:sldId id="411" r:id="rId7"/>
+    <p:sldId id="412" r:id="rId8"/>
+    <p:sldId id="413" r:id="rId9"/>
+    <p:sldId id="415" r:id="rId10"/>
+    <p:sldId id="414" r:id="rId11"/>
+    <p:sldId id="416" r:id="rId12"/>
   </p:sldIdLst>
   <p:sldSz cx="12192000" cy="6858000"/>
   <p:notesSz cx="6858000" cy="9144000"/>
@@ -113,6 +125,355 @@
 </p:presentation>
 </file>
 
+<file path=ppt/notesMasters/notesMaster1.xml><?xml version="1.0" encoding="utf-8"?>
+<p:notesMaster xmlns:a="http://schemas.openxmlformats.org/drawingml/2006/main" xmlns:r="http://schemas.openxmlformats.org/officeDocument/2006/relationships" xmlns:p="http://schemas.openxmlformats.org/presentationml/2006/main">
+  <p:cSld>
+    <p:bg>
+      <p:bgRef idx="1001">
+        <a:schemeClr val="bg1"/>
+      </p:bgRef>
+    </p:bg>
+    <p:spTree>
+      <p:nvGrpSpPr>
+        <p:cNvPr id="1" name=""/>
+        <p:cNvGrpSpPr/>
+        <p:nvPr/>
+      </p:nvGrpSpPr>
+      <p:grpSpPr>
+        <a:xfrm>
+          <a:off x="0" y="0"/>
+          <a:ext cx="0" cy="0"/>
+          <a:chOff x="0" y="0"/>
+          <a:chExt cx="0" cy="0"/>
+        </a:xfrm>
+      </p:grpSpPr>
+      <p:sp>
+        <p:nvSpPr>
+          <p:cNvPr id="2" name="Header Placeholder 1"/>
+          <p:cNvSpPr>
+            <a:spLocks noGrp="1"/>
+          </p:cNvSpPr>
+          <p:nvPr>
+            <p:ph type="hdr" sz="quarter"/>
+          </p:nvPr>
+        </p:nvSpPr>
+        <p:spPr>
+          <a:xfrm>
+            <a:off x="0" y="0"/>
+            <a:ext cx="2971800" cy="458788"/>
+          </a:xfrm>
+          <a:prstGeom prst="rect">
+            <a:avLst/>
+          </a:prstGeom>
+        </p:spPr>
+        <p:txBody>
+          <a:bodyPr vert="horz" lIns="91440" tIns="45720" rIns="91440" bIns="45720" rtlCol="0"/>
+          <a:lstStyle>
+            <a:lvl1pPr algn="l">
+              <a:defRPr sz="1200"/>
+            </a:lvl1pPr>
+          </a:lstStyle>
+          <a:p>
+            <a:endParaRPr lang="en-US"/>
+          </a:p>
+        </p:txBody>
+      </p:sp>
+      <p:sp>
+        <p:nvSpPr>
+          <p:cNvPr id="3" name="Date Placeholder 2"/>
+          <p:cNvSpPr>
+            <a:spLocks noGrp="1"/>
+          </p:cNvSpPr>
+          <p:nvPr>
+            <p:ph type="dt" idx="1"/>
+          </p:nvPr>
+        </p:nvSpPr>
+        <p:spPr>
+          <a:xfrm>
+            <a:off x="3884613" y="0"/>
+            <a:ext cx="2971800" cy="458788"/>
+          </a:xfrm>
+          <a:prstGeom prst="rect">
+            <a:avLst/>
+          </a:prstGeom>
+        </p:spPr>
+        <p:txBody>
+          <a:bodyPr vert="horz" lIns="91440" tIns="45720" rIns="91440" bIns="45720" rtlCol="0"/>
+          <a:lstStyle>
+            <a:lvl1pPr algn="r">
+              <a:defRPr sz="1200"/>
+            </a:lvl1pPr>
+          </a:lstStyle>
+          <a:p>
+            <a:fld id="{868CAEED-5450-EE4D-B412-7C72FD553928}" type="datetimeFigureOut">
+              <a:rPr lang="en-US" smtClean="0"/>
+              <a:t>10/11/21</a:t>
+            </a:fld>
+            <a:endParaRPr lang="en-US"/>
+          </a:p>
+        </p:txBody>
+      </p:sp>
+      <p:sp>
+        <p:nvSpPr>
+          <p:cNvPr id="4" name="Slide Image Placeholder 3"/>
+          <p:cNvSpPr>
+            <a:spLocks noGrp="1" noRot="1" noChangeAspect="1"/>
+          </p:cNvSpPr>
+          <p:nvPr>
+            <p:ph type="sldImg" idx="2"/>
+          </p:nvPr>
+        </p:nvSpPr>
+        <p:spPr>
+          <a:xfrm>
+            <a:off x="685800" y="1143000"/>
+            <a:ext cx="5486400" cy="3086100"/>
+          </a:xfrm>
+          <a:prstGeom prst="rect">
+            <a:avLst/>
+          </a:prstGeom>
+          <a:noFill/>
+          <a:ln w="12700">
+            <a:solidFill>
+              <a:prstClr val="black"/>
+            </a:solidFill>
+          </a:ln>
+        </p:spPr>
+        <p:txBody>
+          <a:bodyPr vert="horz" lIns="91440" tIns="45720" rIns="91440" bIns="45720" rtlCol="0" anchor="ctr"/>
+          <a:lstStyle/>
+          <a:p>
+            <a:endParaRPr lang="en-US"/>
+          </a:p>
+        </p:txBody>
+      </p:sp>
+      <p:sp>
+        <p:nvSpPr>
+          <p:cNvPr id="5" name="Notes Placeholder 4"/>
+          <p:cNvSpPr>
+            <a:spLocks noGrp="1"/>
+          </p:cNvSpPr>
+          <p:nvPr>
+            <p:ph type="body" sz="quarter" idx="3"/>
+          </p:nvPr>
+        </p:nvSpPr>
+        <p:spPr>
+          <a:xfrm>
+            <a:off x="685800" y="4400550"/>
+            <a:ext cx="5486400" cy="3600450"/>
+          </a:xfrm>
+          <a:prstGeom prst="rect">
+            <a:avLst/>
+          </a:prstGeom>
+        </p:spPr>
+        <p:txBody>
+          <a:bodyPr vert="horz" lIns="91440" tIns="45720" rIns="91440" bIns="45720" rtlCol="0"/>
+          <a:lstStyle/>
+          <a:p>
+            <a:pPr lvl="0"/>
+            <a:r>
+              <a:rPr lang="en-US"/>
+              <a:t>Click to edit Master text styles</a:t>
+            </a:r>
+          </a:p>
+          <a:p>
+            <a:pPr lvl="1"/>
+            <a:r>
+              <a:rPr lang="en-US"/>
+              <a:t>Second level</a:t>
+            </a:r>
+          </a:p>
+          <a:p>
+            <a:pPr lvl="2"/>
+            <a:r>
+              <a:rPr lang="en-US"/>
+              <a:t>Third level</a:t>
+            </a:r>
+          </a:p>
+          <a:p>
+            <a:pPr lvl="3"/>
+            <a:r>
+              <a:rPr lang="en-US"/>
+              <a:t>Fourth level</a:t>
+            </a:r>
+          </a:p>
+          <a:p>
+            <a:pPr lvl="4"/>
+            <a:r>
+              <a:rPr lang="en-US"/>
+              <a:t>Fifth level</a:t>
+            </a:r>
+          </a:p>
+        </p:txBody>
+      </p:sp>
+      <p:sp>
+        <p:nvSpPr>
+          <p:cNvPr id="6" name="Footer Placeholder 5"/>
+          <p:cNvSpPr>
+            <a:spLocks noGrp="1"/>
+          </p:cNvSpPr>
+          <p:nvPr>
+            <p:ph type="ftr" sz="quarter" idx="4"/>
+          </p:nvPr>
+        </p:nvSpPr>
+        <p:spPr>
+          <a:xfrm>
+            <a:off x="0" y="8685213"/>
+            <a:ext cx="2971800" cy="458787"/>
+          </a:xfrm>
+          <a:prstGeom prst="rect">
+            <a:avLst/>
+          </a:prstGeom>
+        </p:spPr>
+        <p:txBody>
+          <a:bodyPr vert="horz" lIns="91440" tIns="45720" rIns="91440" bIns="45720" rtlCol="0" anchor="b"/>
+          <a:lstStyle>
+            <a:lvl1pPr algn="l">
+              <a:defRPr sz="1200"/>
+            </a:lvl1pPr>
+          </a:lstStyle>
+          <a:p>
+            <a:endParaRPr lang="en-US"/>
+          </a:p>
+        </p:txBody>
+      </p:sp>
+      <p:sp>
+        <p:nvSpPr>
+          <p:cNvPr id="7" name="Slide Number Placeholder 6"/>
+          <p:cNvSpPr>
+            <a:spLocks noGrp="1"/>
+          </p:cNvSpPr>
+          <p:nvPr>
+            <p:ph type="sldNum" sz="quarter" idx="5"/>
+          </p:nvPr>
+        </p:nvSpPr>
+        <p:spPr>
+          <a:xfrm>
+            <a:off x="3884613" y="8685213"/>
+            <a:ext cx="2971800" cy="458787"/>
+          </a:xfrm>
+          <a:prstGeom prst="rect">
+            <a:avLst/>
+          </a:prstGeom>
+        </p:spPr>
+        <p:txBody>
+          <a:bodyPr vert="horz" lIns="91440" tIns="45720" rIns="91440" bIns="45720" rtlCol="0" anchor="b"/>
+          <a:lstStyle>
+            <a:lvl1pPr algn="r">
+              <a:defRPr sz="1200"/>
+            </a:lvl1pPr>
+          </a:lstStyle>
+          <a:p>
+            <a:fld id="{605D4152-B4F7-6E48-87AE-D080B5F5F819}" type="slidenum">
+              <a:rPr lang="en-US" smtClean="0"/>
+              <a:t>‹#›</a:t>
+            </a:fld>
+            <a:endParaRPr lang="en-US"/>
+          </a:p>
+        </p:txBody>
+      </p:sp>
+    </p:spTree>
+    <p:extLst>
+      <p:ext uri="{BB962C8B-B14F-4D97-AF65-F5344CB8AC3E}">
+        <p14:creationId xmlns:p14="http://schemas.microsoft.com/office/powerpoint/2010/main" val="735721034"/>
+      </p:ext>
+    </p:extLst>
+  </p:cSld>
+  <p:clrMap bg1="lt1" tx1="dk1" bg2="lt2" tx2="dk2" accent1="accent1" accent2="accent2" accent3="accent3" accent4="accent4" accent5="accent5" accent6="accent6" hlink="hlink" folHlink="folHlink"/>
+  <p:notesStyle>
+    <a:lvl1pPr marL="0" algn="l" defTabSz="914400" rtl="0" eaLnBrk="1" latinLnBrk="0" hangingPunct="1">
+      <a:defRPr sz="1200" kern="1200">
+        <a:solidFill>
+          <a:schemeClr val="tx1"/>
+        </a:solidFill>
+        <a:latin typeface="+mn-lt"/>
+        <a:ea typeface="+mn-ea"/>
+        <a:cs typeface="+mn-cs"/>
+      </a:defRPr>
+    </a:lvl1pPr>
+    <a:lvl2pPr marL="457200" algn="l" defTabSz="914400" rtl="0" eaLnBrk="1" latinLnBrk="0" hangingPunct="1">
+      <a:defRPr sz="1200" kern="1200">
+        <a:solidFill>
+          <a:schemeClr val="tx1"/>
+        </a:solidFill>
+        <a:latin typeface="+mn-lt"/>
+        <a:ea typeface="+mn-ea"/>
+        <a:cs typeface="+mn-cs"/>
+      </a:defRPr>
+    </a:lvl2pPr>
+    <a:lvl3pPr marL="914400" algn="l" defTabSz="914400" rtl="0" eaLnBrk="1" latinLnBrk="0" hangingPunct="1">
+      <a:defRPr sz="1200" kern="1200">
+        <a:solidFill>
+          <a:schemeClr val="tx1"/>
+        </a:solidFill>
+        <a:latin typeface="+mn-lt"/>
+        <a:ea typeface="+mn-ea"/>
+        <a:cs typeface="+mn-cs"/>
+      </a:defRPr>
+    </a:lvl3pPr>
+    <a:lvl4pPr marL="1371600" algn="l" defTabSz="914400" rtl="0" eaLnBrk="1" latinLnBrk="0" hangingPunct="1">
+      <a:defRPr sz="1200" kern="1200">
+        <a:solidFill>
+          <a:schemeClr val="tx1"/>
+        </a:solidFill>
+        <a:latin typeface="+mn-lt"/>
+        <a:ea typeface="+mn-ea"/>
+        <a:cs typeface="+mn-cs"/>
+      </a:defRPr>
+    </a:lvl4pPr>
+    <a:lvl5pPr marL="1828800" algn="l" defTabSz="914400" rtl="0" eaLnBrk="1" latinLnBrk="0" hangingPunct="1">
+      <a:defRPr sz="1200" kern="1200">
+        <a:solidFill>
+          <a:schemeClr val="tx1"/>
+        </a:solidFill>
+        <a:latin typeface="+mn-lt"/>
+        <a:ea typeface="+mn-ea"/>
+        <a:cs typeface="+mn-cs"/>
+      </a:defRPr>
+    </a:lvl5pPr>
+    <a:lvl6pPr marL="2286000" algn="l" defTabSz="914400" rtl="0" eaLnBrk="1" latinLnBrk="0" hangingPunct="1">
+      <a:defRPr sz="1200" kern="1200">
+        <a:solidFill>
+          <a:schemeClr val="tx1"/>
+        </a:solidFill>
+        <a:latin typeface="+mn-lt"/>
+        <a:ea typeface="+mn-ea"/>
+        <a:cs typeface="+mn-cs"/>
+      </a:defRPr>
+    </a:lvl6pPr>
+    <a:lvl7pPr marL="2743200" algn="l" defTabSz="914400" rtl="0" eaLnBrk="1" latinLnBrk="0" hangingPunct="1">
+      <a:defRPr sz="1200" kern="1200">
+        <a:solidFill>
+          <a:schemeClr val="tx1"/>
+        </a:solidFill>
+        <a:latin typeface="+mn-lt"/>
+        <a:ea typeface="+mn-ea"/>
+        <a:cs typeface="+mn-cs"/>
+      </a:defRPr>
+    </a:lvl7pPr>
+    <a:lvl8pPr marL="3200400" algn="l" defTabSz="914400" rtl="0" eaLnBrk="1" latinLnBrk="0" hangingPunct="1">
+      <a:defRPr sz="1200" kern="1200">
+        <a:solidFill>
+          <a:schemeClr val="tx1"/>
+        </a:solidFill>
+        <a:latin typeface="+mn-lt"/>
+        <a:ea typeface="+mn-ea"/>
+        <a:cs typeface="+mn-cs"/>
+      </a:defRPr>
+    </a:lvl8pPr>
+    <a:lvl9pPr marL="3657600" algn="l" defTabSz="914400" rtl="0" eaLnBrk="1" latinLnBrk="0" hangingPunct="1">
+      <a:defRPr sz="1200" kern="1200">
+        <a:solidFill>
+          <a:schemeClr val="tx1"/>
+        </a:solidFill>
+        <a:latin typeface="+mn-lt"/>
+        <a:ea typeface="+mn-ea"/>
+        <a:cs typeface="+mn-cs"/>
+      </a:defRPr>
+    </a:lvl9pPr>
+  </p:notesStyle>
+</p:notesMaster>
+</file>
+
 <file path=ppt/slideLayouts/slideLayout1.xml><?xml version="1.0" encoding="utf-8"?>
 <p:sldLayout xmlns:a="http://schemas.openxmlformats.org/drawingml/2006/main" xmlns:r="http://schemas.openxmlformats.org/officeDocument/2006/relationships" xmlns:p="http://schemas.openxmlformats.org/presentationml/2006/main" type="title" preserve="1">
   <p:cSld name="Title Slide">
@@ -299,12 +660,9 @@
             <a:pPr>
               <a:defRPr/>
             </a:pPr>
-            <a:fld id="{D480A359-2FB3-4847-9D97-3491754AA7F9}" type="datetimeFigureOut">
-              <a:rPr lang="en-US"/>
-              <a:pPr>
-                <a:defRPr/>
-              </a:pPr>
-              <a:t>8/11/21</a:t>
+            <a:fld id="{701F4AFA-AA78-8247-997C-7B9561F110ED}" type="datetime1">
+              <a:rPr lang="en-US" smtClean="0"/>
+              <a:t>10/11/21</a:t>
             </a:fld>
             <a:endParaRPr lang="en-US"/>
           </a:p>
@@ -495,12 +853,9 @@
             <a:pPr>
               <a:defRPr/>
             </a:pPr>
-            <a:fld id="{73BC5DAC-1A13-D34F-9418-D6257772B49C}" type="datetimeFigureOut">
-              <a:rPr lang="en-US"/>
-              <a:pPr>
-                <a:defRPr/>
-              </a:pPr>
-              <a:t>8/11/21</a:t>
+            <a:fld id="{D111DAC8-18C0-9B45-986A-2669BA20399F}" type="datetime1">
+              <a:rPr lang="en-US" smtClean="0"/>
+              <a:t>10/11/21</a:t>
             </a:fld>
             <a:endParaRPr lang="en-US"/>
           </a:p>
@@ -700,12 +1055,9 @@
             <a:pPr>
               <a:defRPr/>
             </a:pPr>
-            <a:fld id="{B4EC0D93-568E-6D41-8E6D-0963A71A503C}" type="datetimeFigureOut">
-              <a:rPr lang="en-US"/>
-              <a:pPr>
-                <a:defRPr/>
-              </a:pPr>
-              <a:t>8/11/21</a:t>
+            <a:fld id="{9A52D4D2-8D81-BF4B-AF4C-E705A1FB5E46}" type="datetime1">
+              <a:rPr lang="en-US" smtClean="0"/>
+              <a:t>10/11/21</a:t>
             </a:fld>
             <a:endParaRPr lang="en-US"/>
           </a:p>
@@ -902,12 +1254,9 @@
             <a:pPr>
               <a:defRPr/>
             </a:pPr>
-            <a:fld id="{D128603A-2399-D64A-8203-C8F297F981E8}" type="datetimeFigureOut">
-              <a:rPr lang="en-US"/>
-              <a:pPr>
-                <a:defRPr/>
-              </a:pPr>
-              <a:t>8/11/21</a:t>
+            <a:fld id="{7079FF71-E25E-694F-A5A7-3C771CA42C19}" type="datetime1">
+              <a:rPr lang="en-US" smtClean="0"/>
+              <a:t>10/11/21</a:t>
             </a:fld>
             <a:endParaRPr lang="en-US"/>
           </a:p>
@@ -1175,12 +1524,9 @@
             <a:pPr>
               <a:defRPr/>
             </a:pPr>
-            <a:fld id="{5CF71F39-3D09-F149-B1A1-DC2A7DB4A435}" type="datetimeFigureOut">
-              <a:rPr lang="en-US"/>
-              <a:pPr>
-                <a:defRPr/>
-              </a:pPr>
-              <a:t>8/11/21</a:t>
+            <a:fld id="{F7BFAD6E-02AD-1244-AE59-E0A1B32B98B5}" type="datetime1">
+              <a:rPr lang="en-US" smtClean="0"/>
+              <a:t>10/11/21</a:t>
             </a:fld>
             <a:endParaRPr lang="en-US"/>
           </a:p>
@@ -1489,12 +1835,9 @@
             <a:pPr>
               <a:defRPr/>
             </a:pPr>
-            <a:fld id="{17E7E973-E761-9943-801C-DE1E51E28431}" type="datetimeFigureOut">
-              <a:rPr lang="en-US"/>
-              <a:pPr>
-                <a:defRPr/>
-              </a:pPr>
-              <a:t>8/11/21</a:t>
+            <a:fld id="{576AB2AC-9E4E-864F-8F7A-49E837ADFBED}" type="datetime1">
+              <a:rPr lang="en-US" smtClean="0"/>
+              <a:t>10/11/21</a:t>
             </a:fld>
             <a:endParaRPr lang="en-US"/>
           </a:p>
@@ -1812,12 +2155,9 @@
             <a:pPr>
               <a:defRPr/>
             </a:pPr>
-            <a:fld id="{18ACE534-2B3A-FA4B-B87A-8AC244117610}" type="datetimeFigureOut">
-              <a:rPr lang="en-US"/>
-              <a:pPr>
-                <a:defRPr/>
-              </a:pPr>
-              <a:t>8/11/21</a:t>
+            <a:fld id="{72C8D95E-0433-3E41-A2B7-DA6DB5BC1DF2}" type="datetime1">
+              <a:rPr lang="en-US" smtClean="0"/>
+              <a:t>10/11/21</a:t>
             </a:fld>
             <a:endParaRPr lang="en-US"/>
           </a:p>
@@ -1956,12 +2296,9 @@
             <a:pPr>
               <a:defRPr/>
             </a:pPr>
-            <a:fld id="{22CDFFB5-C0BC-DE4D-9A38-E0EE75FC9E15}" type="datetimeFigureOut">
-              <a:rPr lang="en-US"/>
-              <a:pPr>
-                <a:defRPr/>
-              </a:pPr>
-              <a:t>8/11/21</a:t>
+            <a:fld id="{9F400BA3-C81E-754A-8425-9E9DF935F632}" type="datetime1">
+              <a:rPr lang="en-US" smtClean="0"/>
+              <a:t>10/11/21</a:t>
             </a:fld>
             <a:endParaRPr lang="en-US"/>
           </a:p>
@@ -2078,12 +2415,9 @@
             <a:pPr>
               <a:defRPr/>
             </a:pPr>
-            <a:fld id="{EF42570F-F7E3-1F40-B6F3-59FE945D5A70}" type="datetimeFigureOut">
-              <a:rPr lang="en-US"/>
-              <a:pPr>
-                <a:defRPr/>
-              </a:pPr>
-              <a:t>8/11/21</a:t>
+            <a:fld id="{BE74E7ED-7451-E547-A1B2-E59F9C64C739}" type="datetime1">
+              <a:rPr lang="en-US" smtClean="0"/>
+              <a:t>10/11/21</a:t>
             </a:fld>
             <a:endParaRPr lang="en-US"/>
           </a:p>
@@ -2380,12 +2714,9 @@
             <a:pPr>
               <a:defRPr/>
             </a:pPr>
-            <a:fld id="{6371E9B0-C3DF-544F-BB14-A487ECCC7F43}" type="datetimeFigureOut">
-              <a:rPr lang="en-US"/>
-              <a:pPr>
-                <a:defRPr/>
-              </a:pPr>
-              <a:t>8/11/21</a:t>
+            <a:fld id="{5FB884CE-1E4B-6341-A1C4-15650419E6FA}" type="datetime1">
+              <a:rPr lang="en-US" smtClean="0"/>
+              <a:t>10/11/21</a:t>
             </a:fld>
             <a:endParaRPr lang="en-US"/>
           </a:p>
@@ -2667,12 +2998,9 @@
             <a:pPr>
               <a:defRPr/>
             </a:pPr>
-            <a:fld id="{E5C4B1CF-5E0C-5D41-A3E2-D78942339385}" type="datetimeFigureOut">
-              <a:rPr lang="en-US"/>
-              <a:pPr>
-                <a:defRPr/>
-              </a:pPr>
-              <a:t>8/11/21</a:t>
+            <a:fld id="{82E4D19D-ABEE-2F4A-B456-14682B8CC07C}" type="datetime1">
+              <a:rPr lang="en-US" smtClean="0"/>
+              <a:t>10/11/21</a:t>
             </a:fld>
             <a:endParaRPr lang="en-US"/>
           </a:p>
@@ -2796,14 +3124,14 @@
           </a:ln>
           <a:extLst>
             <a:ext uri="{909E8E84-426E-40dd-AFC4-6F175D3DCCD1}">
-              <a14:hiddenFill xmlns="" xmlns:a14="http://schemas.microsoft.com/office/drawing/2010/main">
+              <a14:hiddenFill xmlns:a14="http://schemas.microsoft.com/office/drawing/2010/main" xmlns="">
                 <a:solidFill>
                   <a:srgbClr val="FFFFFF"/>
                 </a:solidFill>
               </a14:hiddenFill>
             </a:ext>
             <a:ext uri="{91240B29-F687-4f45-9708-019B960494DF}">
-              <a14:hiddenLine xmlns="" xmlns:a14="http://schemas.microsoft.com/office/drawing/2010/main" w="9525">
+              <a14:hiddenLine xmlns:a14="http://schemas.microsoft.com/office/drawing/2010/main" xmlns="" w="9525">
                 <a:solidFill>
                   <a:srgbClr val="000000"/>
                 </a:solidFill>
@@ -2813,7 +3141,7 @@
               </a14:hiddenLine>
             </a:ext>
             <a:ext uri="{FAA26D3D-D897-4be2-8F04-BA451C77F1D7}">
-              <ma14:placeholderFlag xmlns="" xmlns:ma14="http://schemas.microsoft.com/office/mac/drawingml/2011/main" val="1"/>
+              <ma14:placeholderFlag xmlns:ma14="http://schemas.microsoft.com/office/mac/drawingml/2011/main" xmlns="" val="1"/>
             </a:ext>
           </a:extLst>
         </p:spPr>
@@ -2864,14 +3192,14 @@
           </a:ln>
           <a:extLst>
             <a:ext uri="{909E8E84-426E-40dd-AFC4-6F175D3DCCD1}">
-              <a14:hiddenFill xmlns="" xmlns:a14="http://schemas.microsoft.com/office/drawing/2010/main">
+              <a14:hiddenFill xmlns:a14="http://schemas.microsoft.com/office/drawing/2010/main" xmlns="">
                 <a:solidFill>
                   <a:srgbClr val="FFFFFF"/>
                 </a:solidFill>
               </a14:hiddenFill>
             </a:ext>
             <a:ext uri="{91240B29-F687-4f45-9708-019B960494DF}">
-              <a14:hiddenLine xmlns="" xmlns:a14="http://schemas.microsoft.com/office/drawing/2010/main" w="9525">
+              <a14:hiddenLine xmlns:a14="http://schemas.microsoft.com/office/drawing/2010/main" xmlns="" w="9525">
                 <a:solidFill>
                   <a:srgbClr val="000000"/>
                 </a:solidFill>
@@ -2881,7 +3209,7 @@
               </a14:hiddenLine>
             </a:ext>
             <a:ext uri="{FAA26D3D-D897-4be2-8F04-BA451C77F1D7}">
-              <ma14:placeholderFlag xmlns="" xmlns:ma14="http://schemas.microsoft.com/office/mac/drawingml/2011/main" val="1"/>
+              <ma14:placeholderFlag xmlns:ma14="http://schemas.microsoft.com/office/mac/drawingml/2011/main" xmlns="" val="1"/>
             </a:ext>
           </a:extLst>
         </p:spPr>
@@ -2975,12 +3303,9 @@
             <a:pPr>
               <a:defRPr/>
             </a:pPr>
-            <a:fld id="{C944504B-B211-B34D-97AF-78446C71FCDD}" type="datetimeFigureOut">
+            <a:fld id="{D3C5CF7C-57F2-214E-8B3D-31D516F00CF1}" type="datetime1">
               <a:rPr lang="en-US" smtClean="0"/>
-              <a:pPr>
-                <a:defRPr/>
-              </a:pPr>
-              <a:t>8/11/21</a:t>
+              <a:t>10/11/21</a:t>
             </a:fld>
             <a:endParaRPr lang="en-US" dirty="0"/>
           </a:p>
@@ -3142,6 +3467,7 @@
     <p:sldLayoutId id="2147483670" r:id="rId10"/>
     <p:sldLayoutId id="2147483671" r:id="rId11"/>
   </p:sldLayoutIdLst>
+  <p:hf hdr="0" ftr="0" dt="0"/>
   <p:txStyles>
     <p:titleStyle>
       <a:lvl1pPr algn="ctr" defTabSz="609585" rtl="0" eaLnBrk="1" fontAlgn="base" hangingPunct="1">
@@ -3611,10 +3937,369 @@
           </a:p>
         </p:txBody>
       </p:sp>
+      <p:sp>
+        <p:nvSpPr>
+          <p:cNvPr id="4" name="Slide Number Placeholder 3">
+            <a:extLst>
+              <a:ext uri="{FF2B5EF4-FFF2-40B4-BE49-F238E27FC236}">
+                <a16:creationId xmlns:a16="http://schemas.microsoft.com/office/drawing/2014/main" id="{D3A59C09-7130-3E40-BE71-8FD8881EF0C1}"/>
+              </a:ext>
+            </a:extLst>
+          </p:cNvPr>
+          <p:cNvSpPr>
+            <a:spLocks noGrp="1"/>
+          </p:cNvSpPr>
+          <p:nvPr>
+            <p:ph type="sldNum" sz="quarter" idx="12"/>
+          </p:nvPr>
+        </p:nvSpPr>
+        <p:spPr/>
+        <p:txBody>
+          <a:bodyPr/>
+          <a:lstStyle/>
+          <a:p>
+            <a:pPr>
+              <a:defRPr/>
+            </a:pPr>
+            <a:fld id="{01E82176-A547-F94B-AC51-D6E9C882CB88}" type="slidenum">
+              <a:rPr lang="en-US" smtClean="0"/>
+              <a:pPr>
+                <a:defRPr/>
+              </a:pPr>
+              <a:t>1</a:t>
+            </a:fld>
+            <a:endParaRPr lang="en-US"/>
+          </a:p>
+        </p:txBody>
+      </p:sp>
     </p:spTree>
     <p:extLst>
       <p:ext uri="{BB962C8B-B14F-4D97-AF65-F5344CB8AC3E}">
         <p14:creationId xmlns:p14="http://schemas.microsoft.com/office/powerpoint/2010/main" val="3340782854"/>
+      </p:ext>
+    </p:extLst>
+  </p:cSld>
+  <p:clrMapOvr>
+    <a:masterClrMapping/>
+  </p:clrMapOvr>
+</p:sld>
+</file>
+
+<file path=ppt/slides/slide10.xml><?xml version="1.0" encoding="utf-8"?>
+<p:sld xmlns:a="http://schemas.openxmlformats.org/drawingml/2006/main" xmlns:r="http://schemas.openxmlformats.org/officeDocument/2006/relationships" xmlns:p="http://schemas.openxmlformats.org/presentationml/2006/main">
+  <p:cSld>
+    <p:spTree>
+      <p:nvGrpSpPr>
+        <p:cNvPr id="1" name=""/>
+        <p:cNvGrpSpPr/>
+        <p:nvPr/>
+      </p:nvGrpSpPr>
+      <p:grpSpPr>
+        <a:xfrm>
+          <a:off x="0" y="0"/>
+          <a:ext cx="0" cy="0"/>
+          <a:chOff x="0" y="0"/>
+          <a:chExt cx="0" cy="0"/>
+        </a:xfrm>
+      </p:grpSpPr>
+      <p:sp>
+        <p:nvSpPr>
+          <p:cNvPr id="2" name="Title 1">
+            <a:extLst>
+              <a:ext uri="{FF2B5EF4-FFF2-40B4-BE49-F238E27FC236}">
+                <a16:creationId xmlns:a16="http://schemas.microsoft.com/office/drawing/2014/main" id="{FAA988CC-1BB6-514C-AC44-52BB40C50D42}"/>
+              </a:ext>
+            </a:extLst>
+          </p:cNvPr>
+          <p:cNvSpPr>
+            <a:spLocks noGrp="1"/>
+          </p:cNvSpPr>
+          <p:nvPr>
+            <p:ph type="title"/>
+          </p:nvPr>
+        </p:nvSpPr>
+        <p:spPr/>
+        <p:txBody>
+          <a:bodyPr/>
+          <a:lstStyle/>
+          <a:p>
+            <a:r>
+              <a:rPr lang="en-US" dirty="0"/>
+              <a:t>Key Properties</a:t>
+            </a:r>
+          </a:p>
+        </p:txBody>
+      </p:sp>
+      <p:sp>
+        <p:nvSpPr>
+          <p:cNvPr id="3" name="Content Placeholder 2">
+            <a:extLst>
+              <a:ext uri="{FF2B5EF4-FFF2-40B4-BE49-F238E27FC236}">
+                <a16:creationId xmlns:a16="http://schemas.microsoft.com/office/drawing/2014/main" id="{9B16093F-79D4-BF49-AF82-65E548519481}"/>
+              </a:ext>
+            </a:extLst>
+          </p:cNvPr>
+          <p:cNvSpPr>
+            <a:spLocks noGrp="1"/>
+          </p:cNvSpPr>
+          <p:nvPr>
+            <p:ph sz="half" idx="1"/>
+          </p:nvPr>
+        </p:nvSpPr>
+        <p:spPr/>
+        <p:txBody>
+          <a:bodyPr/>
+          <a:lstStyle/>
+          <a:p>
+            <a:r>
+              <a:rPr lang="en-US" sz="2200" dirty="0"/>
+              <a:t>The thermophysical properties that are of importance and affect the fuel performance are solidus/liquidus temperature, thermal conductivity, coefficient of thermal expansion, elastic/fracture properties, creep, and hardness at ambient and at high temperatures</a:t>
+            </a:r>
+          </a:p>
+          <a:p>
+            <a:r>
+              <a:rPr lang="en-US" sz="2200" dirty="0"/>
+              <a:t>The solidus/liquidus temperatures along with thermal conductivity limit the fuel operating temperature in terms of linear heating rate</a:t>
+            </a:r>
+          </a:p>
+          <a:p>
+            <a:endParaRPr lang="en-US" sz="2200" dirty="0"/>
+          </a:p>
+          <a:p>
+            <a:endParaRPr lang="en-US" sz="2200" dirty="0"/>
+          </a:p>
+        </p:txBody>
+      </p:sp>
+      <p:sp>
+        <p:nvSpPr>
+          <p:cNvPr id="4" name="Content Placeholder 3">
+            <a:extLst>
+              <a:ext uri="{FF2B5EF4-FFF2-40B4-BE49-F238E27FC236}">
+                <a16:creationId xmlns:a16="http://schemas.microsoft.com/office/drawing/2014/main" id="{5D1C976F-524A-4B44-90F3-0C48AEE31CA5}"/>
+              </a:ext>
+            </a:extLst>
+          </p:cNvPr>
+          <p:cNvSpPr>
+            <a:spLocks noGrp="1"/>
+          </p:cNvSpPr>
+          <p:nvPr>
+            <p:ph sz="half" idx="2"/>
+          </p:nvPr>
+        </p:nvSpPr>
+        <p:spPr>
+          <a:xfrm>
+            <a:off x="6197600" y="1968503"/>
+            <a:ext cx="5700110" cy="4157663"/>
+          </a:xfrm>
+        </p:spPr>
+        <p:txBody>
+          <a:bodyPr/>
+          <a:lstStyle/>
+          <a:p>
+            <a:r>
+              <a:rPr lang="en-US" sz="2200" dirty="0"/>
+              <a:t>Thermal conductivity determines rate of heat transfer out of fuel and into the cladding</a:t>
+            </a:r>
+          </a:p>
+          <a:p>
+            <a:r>
+              <a:rPr lang="en-US" sz="2200" dirty="0"/>
+              <a:t>Thermal conductivity varies as a function of density, porosity (shape, size, and distribution), composition, presence of a second phase, grain size, etc.</a:t>
+            </a:r>
+          </a:p>
+          <a:p>
+            <a:r>
+              <a:rPr lang="en-US" sz="2200" dirty="0"/>
+              <a:t>Coefficient of thermal expansion is an important design parameter, the stresses generated in the fuel and by the fuel in the cladding are partly due to the difference in the CTE between the fuel and the cladding</a:t>
+            </a:r>
+          </a:p>
+          <a:p>
+            <a:endParaRPr lang="en-US" sz="2200" dirty="0"/>
+          </a:p>
+          <a:p>
+            <a:endParaRPr lang="en-US" sz="2200" dirty="0"/>
+          </a:p>
+        </p:txBody>
+      </p:sp>
+      <p:sp>
+        <p:nvSpPr>
+          <p:cNvPr id="5" name="Slide Number Placeholder 4">
+            <a:extLst>
+              <a:ext uri="{FF2B5EF4-FFF2-40B4-BE49-F238E27FC236}">
+                <a16:creationId xmlns:a16="http://schemas.microsoft.com/office/drawing/2014/main" id="{C2264A02-2A42-0C4B-8A4E-291E1FA62EB8}"/>
+              </a:ext>
+            </a:extLst>
+          </p:cNvPr>
+          <p:cNvSpPr>
+            <a:spLocks noGrp="1"/>
+          </p:cNvSpPr>
+          <p:nvPr>
+            <p:ph type="sldNum" sz="quarter" idx="12"/>
+          </p:nvPr>
+        </p:nvSpPr>
+        <p:spPr/>
+        <p:txBody>
+          <a:bodyPr/>
+          <a:lstStyle/>
+          <a:p>
+            <a:pPr>
+              <a:defRPr/>
+            </a:pPr>
+            <a:fld id="{EC35E9FC-F6D5-0349-BBED-EA7D7A9BC49B}" type="slidenum">
+              <a:rPr lang="en-US" smtClean="0"/>
+              <a:pPr>
+                <a:defRPr/>
+              </a:pPr>
+              <a:t>10</a:t>
+            </a:fld>
+            <a:endParaRPr lang="en-US"/>
+          </a:p>
+        </p:txBody>
+      </p:sp>
+    </p:spTree>
+    <p:extLst>
+      <p:ext uri="{BB962C8B-B14F-4D97-AF65-F5344CB8AC3E}">
+        <p14:creationId xmlns:p14="http://schemas.microsoft.com/office/powerpoint/2010/main" val="965333893"/>
+      </p:ext>
+    </p:extLst>
+  </p:cSld>
+  <p:clrMapOvr>
+    <a:masterClrMapping/>
+  </p:clrMapOvr>
+</p:sld>
+</file>
+
+<file path=ppt/slides/slide11.xml><?xml version="1.0" encoding="utf-8"?>
+<p:sld xmlns:a="http://schemas.openxmlformats.org/drawingml/2006/main" xmlns:r="http://schemas.openxmlformats.org/officeDocument/2006/relationships" xmlns:p="http://schemas.openxmlformats.org/presentationml/2006/main">
+  <p:cSld>
+    <p:spTree>
+      <p:nvGrpSpPr>
+        <p:cNvPr id="1" name=""/>
+        <p:cNvGrpSpPr/>
+        <p:nvPr/>
+      </p:nvGrpSpPr>
+      <p:grpSpPr>
+        <a:xfrm>
+          <a:off x="0" y="0"/>
+          <a:ext cx="0" cy="0"/>
+          <a:chOff x="0" y="0"/>
+          <a:chExt cx="0" cy="0"/>
+        </a:xfrm>
+      </p:grpSpPr>
+      <p:sp>
+        <p:nvSpPr>
+          <p:cNvPr id="2" name="Title 1">
+            <a:extLst>
+              <a:ext uri="{FF2B5EF4-FFF2-40B4-BE49-F238E27FC236}">
+                <a16:creationId xmlns:a16="http://schemas.microsoft.com/office/drawing/2014/main" id="{C7A57BD0-C1CB-C349-A457-2C88A6EF970E}"/>
+              </a:ext>
+            </a:extLst>
+          </p:cNvPr>
+          <p:cNvSpPr>
+            <a:spLocks noGrp="1"/>
+          </p:cNvSpPr>
+          <p:nvPr>
+            <p:ph type="title"/>
+          </p:nvPr>
+        </p:nvSpPr>
+        <p:spPr/>
+        <p:txBody>
+          <a:bodyPr/>
+          <a:lstStyle/>
+          <a:p>
+            <a:endParaRPr lang="en-US"/>
+          </a:p>
+        </p:txBody>
+      </p:sp>
+      <p:sp>
+        <p:nvSpPr>
+          <p:cNvPr id="3" name="Content Placeholder 2">
+            <a:extLst>
+              <a:ext uri="{FF2B5EF4-FFF2-40B4-BE49-F238E27FC236}">
+                <a16:creationId xmlns:a16="http://schemas.microsoft.com/office/drawing/2014/main" id="{E9F86B96-B1AD-624F-8D43-C46F28840DB8}"/>
+              </a:ext>
+            </a:extLst>
+          </p:cNvPr>
+          <p:cNvSpPr>
+            <a:spLocks noGrp="1"/>
+          </p:cNvSpPr>
+          <p:nvPr>
+            <p:ph sz="half" idx="1"/>
+          </p:nvPr>
+        </p:nvSpPr>
+        <p:spPr/>
+        <p:txBody>
+          <a:bodyPr/>
+          <a:lstStyle/>
+          <a:p>
+            <a:endParaRPr lang="en-US"/>
+          </a:p>
+        </p:txBody>
+      </p:sp>
+      <p:sp>
+        <p:nvSpPr>
+          <p:cNvPr id="4" name="Content Placeholder 3">
+            <a:extLst>
+              <a:ext uri="{FF2B5EF4-FFF2-40B4-BE49-F238E27FC236}">
+                <a16:creationId xmlns:a16="http://schemas.microsoft.com/office/drawing/2014/main" id="{9734D736-94B8-E744-AE9B-79090CF5C4F1}"/>
+              </a:ext>
+            </a:extLst>
+          </p:cNvPr>
+          <p:cNvSpPr>
+            <a:spLocks noGrp="1"/>
+          </p:cNvSpPr>
+          <p:nvPr>
+            <p:ph sz="half" idx="2"/>
+          </p:nvPr>
+        </p:nvSpPr>
+        <p:spPr/>
+        <p:txBody>
+          <a:bodyPr/>
+          <a:lstStyle/>
+          <a:p>
+            <a:endParaRPr lang="en-US"/>
+          </a:p>
+        </p:txBody>
+      </p:sp>
+      <p:sp>
+        <p:nvSpPr>
+          <p:cNvPr id="5" name="Slide Number Placeholder 4">
+            <a:extLst>
+              <a:ext uri="{FF2B5EF4-FFF2-40B4-BE49-F238E27FC236}">
+                <a16:creationId xmlns:a16="http://schemas.microsoft.com/office/drawing/2014/main" id="{B4C3B9DF-A6BF-AF4B-9DEE-02BA4A2DDB5C}"/>
+              </a:ext>
+            </a:extLst>
+          </p:cNvPr>
+          <p:cNvSpPr>
+            <a:spLocks noGrp="1"/>
+          </p:cNvSpPr>
+          <p:nvPr>
+            <p:ph type="sldNum" sz="quarter" idx="12"/>
+          </p:nvPr>
+        </p:nvSpPr>
+        <p:spPr/>
+        <p:txBody>
+          <a:bodyPr/>
+          <a:lstStyle/>
+          <a:p>
+            <a:pPr>
+              <a:defRPr/>
+            </a:pPr>
+            <a:fld id="{EC35E9FC-F6D5-0349-BBED-EA7D7A9BC49B}" type="slidenum">
+              <a:rPr lang="en-US" smtClean="0"/>
+              <a:pPr>
+                <a:defRPr/>
+              </a:pPr>
+              <a:t>11</a:t>
+            </a:fld>
+            <a:endParaRPr lang="en-US"/>
+          </a:p>
+        </p:txBody>
+      </p:sp>
+    </p:spTree>
+    <p:extLst>
+      <p:ext uri="{BB962C8B-B14F-4D97-AF65-F5344CB8AC3E}">
+        <p14:creationId xmlns:p14="http://schemas.microsoft.com/office/powerpoint/2010/main" val="4175726249"/>
       </p:ext>
     </p:extLst>
   </p:cSld>
@@ -3669,10 +4354,1322 @@
           </a:p>
         </p:txBody>
       </p:sp>
+      <p:sp>
+        <p:nvSpPr>
+          <p:cNvPr id="3" name="Slide Number Placeholder 2">
+            <a:extLst>
+              <a:ext uri="{FF2B5EF4-FFF2-40B4-BE49-F238E27FC236}">
+                <a16:creationId xmlns:a16="http://schemas.microsoft.com/office/drawing/2014/main" id="{5AF24BB4-C5F0-CF45-96CF-0C1214D571AD}"/>
+              </a:ext>
+            </a:extLst>
+          </p:cNvPr>
+          <p:cNvSpPr>
+            <a:spLocks noGrp="1"/>
+          </p:cNvSpPr>
+          <p:nvPr>
+            <p:ph type="sldNum" sz="quarter" idx="12"/>
+          </p:nvPr>
+        </p:nvSpPr>
+        <p:spPr/>
+        <p:txBody>
+          <a:bodyPr/>
+          <a:lstStyle/>
+          <a:p>
+            <a:pPr>
+              <a:defRPr/>
+            </a:pPr>
+            <a:fld id="{0DA6BD0F-ABBC-C14D-BC96-77BE126A748B}" type="slidenum">
+              <a:rPr lang="en-US" smtClean="0"/>
+              <a:pPr>
+                <a:defRPr/>
+              </a:pPr>
+              <a:t>2</a:t>
+            </a:fld>
+            <a:endParaRPr lang="en-US"/>
+          </a:p>
+        </p:txBody>
+      </p:sp>
     </p:spTree>
     <p:extLst>
       <p:ext uri="{BB962C8B-B14F-4D97-AF65-F5344CB8AC3E}">
         <p14:creationId xmlns:p14="http://schemas.microsoft.com/office/powerpoint/2010/main" val="4063663636"/>
+      </p:ext>
+    </p:extLst>
+  </p:cSld>
+  <p:clrMapOvr>
+    <a:masterClrMapping/>
+  </p:clrMapOvr>
+</p:sld>
+</file>
+
+<file path=ppt/slides/slide3.xml><?xml version="1.0" encoding="utf-8"?>
+<p:sld xmlns:a="http://schemas.openxmlformats.org/drawingml/2006/main" xmlns:r="http://schemas.openxmlformats.org/officeDocument/2006/relationships" xmlns:p="http://schemas.openxmlformats.org/presentationml/2006/main">
+  <p:cSld>
+    <p:spTree>
+      <p:nvGrpSpPr>
+        <p:cNvPr id="1" name=""/>
+        <p:cNvGrpSpPr/>
+        <p:nvPr/>
+      </p:nvGrpSpPr>
+      <p:grpSpPr>
+        <a:xfrm>
+          <a:off x="0" y="0"/>
+          <a:ext cx="0" cy="0"/>
+          <a:chOff x="0" y="0"/>
+          <a:chExt cx="0" cy="0"/>
+        </a:xfrm>
+      </p:grpSpPr>
+      <p:sp>
+        <p:nvSpPr>
+          <p:cNvPr id="2" name="Title 1">
+            <a:extLst>
+              <a:ext uri="{FF2B5EF4-FFF2-40B4-BE49-F238E27FC236}">
+                <a16:creationId xmlns:a16="http://schemas.microsoft.com/office/drawing/2014/main" id="{9FC23667-D7F3-C040-9ACE-7257404B6EED}"/>
+              </a:ext>
+            </a:extLst>
+          </p:cNvPr>
+          <p:cNvSpPr>
+            <a:spLocks noGrp="1"/>
+          </p:cNvSpPr>
+          <p:nvPr>
+            <p:ph type="title"/>
+          </p:nvPr>
+        </p:nvSpPr>
+        <p:spPr/>
+        <p:txBody>
+          <a:bodyPr/>
+          <a:lstStyle/>
+          <a:p>
+            <a:r>
+              <a:rPr lang="en-US" dirty="0"/>
+              <a:t>Why Carbides?</a:t>
+            </a:r>
+          </a:p>
+        </p:txBody>
+      </p:sp>
+      <p:sp>
+        <p:nvSpPr>
+          <p:cNvPr id="3" name="Content Placeholder 2">
+            <a:extLst>
+              <a:ext uri="{FF2B5EF4-FFF2-40B4-BE49-F238E27FC236}">
+                <a16:creationId xmlns:a16="http://schemas.microsoft.com/office/drawing/2014/main" id="{77B3B284-5863-EF40-8BE8-7546A06A329B}"/>
+              </a:ext>
+            </a:extLst>
+          </p:cNvPr>
+          <p:cNvSpPr>
+            <a:spLocks noGrp="1"/>
+          </p:cNvSpPr>
+          <p:nvPr>
+            <p:ph sz="half" idx="1"/>
+          </p:nvPr>
+        </p:nvSpPr>
+        <p:spPr/>
+        <p:txBody>
+          <a:bodyPr/>
+          <a:lstStyle/>
+          <a:p>
+            <a:r>
+              <a:rPr lang="en-US" sz="2200" dirty="0"/>
+              <a:t>Possible fuel compositions with higher fissile atom density are </a:t>
+            </a:r>
+            <a:r>
+              <a:rPr lang="en-US" sz="2200" dirty="0" err="1"/>
+              <a:t>nonoxide</a:t>
+            </a:r>
+            <a:r>
+              <a:rPr lang="en-US" sz="2200" dirty="0"/>
+              <a:t> ceramics, for example, uranium–plutonium-mixed carbide or nitride</a:t>
+            </a:r>
+          </a:p>
+          <a:p>
+            <a:r>
+              <a:rPr lang="en-US" sz="2200" dirty="0"/>
+              <a:t>These fuels have higher thermal conductivity high fissile heavy-atom density, and a reasonably high melting point compared to metallic fuel</a:t>
+            </a:r>
+          </a:p>
+          <a:p>
+            <a:r>
+              <a:rPr lang="en-US" sz="2200" dirty="0"/>
+              <a:t>The higher thermal conductivity of carbide fuel and high melting point makes carbide fuel suitable for operation at high power</a:t>
+            </a:r>
+          </a:p>
+          <a:p>
+            <a:endParaRPr lang="en-US" sz="2200" dirty="0"/>
+          </a:p>
+        </p:txBody>
+      </p:sp>
+      <p:pic>
+        <p:nvPicPr>
+          <p:cNvPr id="5" name="Content Placeholder 4">
+            <a:extLst>
+              <a:ext uri="{FF2B5EF4-FFF2-40B4-BE49-F238E27FC236}">
+                <a16:creationId xmlns:a16="http://schemas.microsoft.com/office/drawing/2014/main" id="{BB56616C-BF45-FA4A-9C7F-93C80D42975F}"/>
+              </a:ext>
+            </a:extLst>
+          </p:cNvPr>
+          <p:cNvPicPr>
+            <a:picLocks noGrp="1" noChangeAspect="1"/>
+          </p:cNvPicPr>
+          <p:nvPr>
+            <p:ph sz="half" idx="2"/>
+          </p:nvPr>
+        </p:nvPicPr>
+        <p:blipFill>
+          <a:blip r:embed="rId2"/>
+          <a:stretch>
+            <a:fillRect/>
+          </a:stretch>
+        </p:blipFill>
+        <p:spPr>
+          <a:xfrm>
+            <a:off x="6270103" y="1968500"/>
+            <a:ext cx="5239794" cy="4157663"/>
+          </a:xfrm>
+          <a:prstGeom prst="rect">
+            <a:avLst/>
+          </a:prstGeom>
+        </p:spPr>
+      </p:pic>
+      <p:sp>
+        <p:nvSpPr>
+          <p:cNvPr id="6" name="Slide Number Placeholder 5">
+            <a:extLst>
+              <a:ext uri="{FF2B5EF4-FFF2-40B4-BE49-F238E27FC236}">
+                <a16:creationId xmlns:a16="http://schemas.microsoft.com/office/drawing/2014/main" id="{5F2E4374-5441-0444-8A37-078B5B6F7E68}"/>
+              </a:ext>
+            </a:extLst>
+          </p:cNvPr>
+          <p:cNvSpPr>
+            <a:spLocks noGrp="1"/>
+          </p:cNvSpPr>
+          <p:nvPr>
+            <p:ph type="sldNum" sz="quarter" idx="12"/>
+          </p:nvPr>
+        </p:nvSpPr>
+        <p:spPr/>
+        <p:txBody>
+          <a:bodyPr/>
+          <a:lstStyle/>
+          <a:p>
+            <a:pPr>
+              <a:defRPr/>
+            </a:pPr>
+            <a:fld id="{EC35E9FC-F6D5-0349-BBED-EA7D7A9BC49B}" type="slidenum">
+              <a:rPr lang="en-US" smtClean="0"/>
+              <a:pPr>
+                <a:defRPr/>
+              </a:pPr>
+              <a:t>3</a:t>
+            </a:fld>
+            <a:endParaRPr lang="en-US"/>
+          </a:p>
+        </p:txBody>
+      </p:sp>
+    </p:spTree>
+    <p:extLst>
+      <p:ext uri="{BB962C8B-B14F-4D97-AF65-F5344CB8AC3E}">
+        <p14:creationId xmlns:p14="http://schemas.microsoft.com/office/powerpoint/2010/main" val="1671211768"/>
+      </p:ext>
+    </p:extLst>
+  </p:cSld>
+  <p:clrMapOvr>
+    <a:masterClrMapping/>
+  </p:clrMapOvr>
+</p:sld>
+</file>
+
+<file path=ppt/slides/slide4.xml><?xml version="1.0" encoding="utf-8"?>
+<p:sld xmlns:a="http://schemas.openxmlformats.org/drawingml/2006/main" xmlns:r="http://schemas.openxmlformats.org/officeDocument/2006/relationships" xmlns:p="http://schemas.openxmlformats.org/presentationml/2006/main">
+  <p:cSld>
+    <p:spTree>
+      <p:nvGrpSpPr>
+        <p:cNvPr id="1" name=""/>
+        <p:cNvGrpSpPr/>
+        <p:nvPr/>
+      </p:nvGrpSpPr>
+      <p:grpSpPr>
+        <a:xfrm>
+          <a:off x="0" y="0"/>
+          <a:ext cx="0" cy="0"/>
+          <a:chOff x="0" y="0"/>
+          <a:chExt cx="0" cy="0"/>
+        </a:xfrm>
+      </p:grpSpPr>
+      <p:sp>
+        <p:nvSpPr>
+          <p:cNvPr id="2" name="Title 1">
+            <a:extLst>
+              <a:ext uri="{FF2B5EF4-FFF2-40B4-BE49-F238E27FC236}">
+                <a16:creationId xmlns:a16="http://schemas.microsoft.com/office/drawing/2014/main" id="{45141C43-9B9D-B349-B9F3-F022D59E5819}"/>
+              </a:ext>
+            </a:extLst>
+          </p:cNvPr>
+          <p:cNvSpPr>
+            <a:spLocks noGrp="1"/>
+          </p:cNvSpPr>
+          <p:nvPr>
+            <p:ph type="title"/>
+          </p:nvPr>
+        </p:nvSpPr>
+        <p:spPr/>
+        <p:txBody>
+          <a:bodyPr/>
+          <a:lstStyle/>
+          <a:p>
+            <a:r>
+              <a:rPr lang="en-US" dirty="0"/>
+              <a:t>Why Carbides?</a:t>
+            </a:r>
+          </a:p>
+        </p:txBody>
+      </p:sp>
+      <p:sp>
+        <p:nvSpPr>
+          <p:cNvPr id="3" name="Content Placeholder 2">
+            <a:extLst>
+              <a:ext uri="{FF2B5EF4-FFF2-40B4-BE49-F238E27FC236}">
+                <a16:creationId xmlns:a16="http://schemas.microsoft.com/office/drawing/2014/main" id="{9120415F-8417-444E-8975-5B73728626B9}"/>
+              </a:ext>
+            </a:extLst>
+          </p:cNvPr>
+          <p:cNvSpPr>
+            <a:spLocks noGrp="1"/>
+          </p:cNvSpPr>
+          <p:nvPr>
+            <p:ph sz="half" idx="1"/>
+          </p:nvPr>
+        </p:nvSpPr>
+        <p:spPr/>
+        <p:txBody>
+          <a:bodyPr/>
+          <a:lstStyle/>
+          <a:p>
+            <a:r>
+              <a:rPr lang="en-US" sz="2200" dirty="0"/>
+              <a:t>The more efficient heat transfer also allows for the possibility of large diameter fuel pins, with more fissile material per pin, and more power generation</a:t>
+            </a:r>
+          </a:p>
+          <a:p>
+            <a:r>
+              <a:rPr lang="en-US" sz="2200" dirty="0"/>
+              <a:t>High-specific-power operation permits fewer pins, compared to oxide, and a more compact core, which can reduce plant costs</a:t>
+            </a:r>
+          </a:p>
+          <a:p>
+            <a:pPr marL="0" indent="0">
+              <a:buNone/>
+            </a:pPr>
+            <a:endParaRPr lang="en-US" sz="2200" dirty="0"/>
+          </a:p>
+          <a:p>
+            <a:endParaRPr lang="en-US" sz="2200" dirty="0"/>
+          </a:p>
+          <a:p>
+            <a:endParaRPr lang="en-US" sz="2200" dirty="0"/>
+          </a:p>
+        </p:txBody>
+      </p:sp>
+      <p:sp>
+        <p:nvSpPr>
+          <p:cNvPr id="4" name="Content Placeholder 3">
+            <a:extLst>
+              <a:ext uri="{FF2B5EF4-FFF2-40B4-BE49-F238E27FC236}">
+                <a16:creationId xmlns:a16="http://schemas.microsoft.com/office/drawing/2014/main" id="{6A3C5400-516A-5A49-8D03-57F249E204BE}"/>
+              </a:ext>
+            </a:extLst>
+          </p:cNvPr>
+          <p:cNvSpPr>
+            <a:spLocks noGrp="1"/>
+          </p:cNvSpPr>
+          <p:nvPr>
+            <p:ph sz="half" idx="2"/>
+          </p:nvPr>
+        </p:nvSpPr>
+        <p:spPr/>
+        <p:txBody>
+          <a:bodyPr/>
+          <a:lstStyle/>
+          <a:p>
+            <a:r>
+              <a:rPr lang="en-US" sz="2200" dirty="0"/>
+              <a:t>A large amount of development work on carbide and nitride fuels was performed from 1960 to 1970, and more than 5000 advanced fuel pins have been fabricated and irradiated</a:t>
+            </a:r>
+          </a:p>
+          <a:p>
+            <a:r>
+              <a:rPr lang="en-US" sz="2200" dirty="0"/>
+              <a:t>The practical difficulty of fabrication of carbide fuel hampered carbide development</a:t>
+            </a:r>
+          </a:p>
+          <a:p>
+            <a:r>
+              <a:rPr lang="en-US" sz="2200" dirty="0"/>
+              <a:t>The high-purity inert cover gas required for fuel fabrication was expensive and maintenance of C/M ratio was difficult</a:t>
+            </a:r>
+          </a:p>
+          <a:p>
+            <a:endParaRPr lang="en-US" sz="2200" dirty="0"/>
+          </a:p>
+          <a:p>
+            <a:endParaRPr lang="en-US" sz="2200" dirty="0"/>
+          </a:p>
+        </p:txBody>
+      </p:sp>
+      <p:sp>
+        <p:nvSpPr>
+          <p:cNvPr id="5" name="Slide Number Placeholder 4">
+            <a:extLst>
+              <a:ext uri="{FF2B5EF4-FFF2-40B4-BE49-F238E27FC236}">
+                <a16:creationId xmlns:a16="http://schemas.microsoft.com/office/drawing/2014/main" id="{16A94781-3047-BF4E-96EB-456108115511}"/>
+              </a:ext>
+            </a:extLst>
+          </p:cNvPr>
+          <p:cNvSpPr>
+            <a:spLocks noGrp="1"/>
+          </p:cNvSpPr>
+          <p:nvPr>
+            <p:ph type="sldNum" sz="quarter" idx="12"/>
+          </p:nvPr>
+        </p:nvSpPr>
+        <p:spPr/>
+        <p:txBody>
+          <a:bodyPr/>
+          <a:lstStyle/>
+          <a:p>
+            <a:pPr>
+              <a:defRPr/>
+            </a:pPr>
+            <a:fld id="{EC35E9FC-F6D5-0349-BBED-EA7D7A9BC49B}" type="slidenum">
+              <a:rPr lang="en-US" smtClean="0"/>
+              <a:pPr>
+                <a:defRPr/>
+              </a:pPr>
+              <a:t>4</a:t>
+            </a:fld>
+            <a:endParaRPr lang="en-US"/>
+          </a:p>
+        </p:txBody>
+      </p:sp>
+    </p:spTree>
+    <p:extLst>
+      <p:ext uri="{BB962C8B-B14F-4D97-AF65-F5344CB8AC3E}">
+        <p14:creationId xmlns:p14="http://schemas.microsoft.com/office/powerpoint/2010/main" val="2872551440"/>
+      </p:ext>
+    </p:extLst>
+  </p:cSld>
+  <p:clrMapOvr>
+    <a:masterClrMapping/>
+  </p:clrMapOvr>
+</p:sld>
+</file>
+
+<file path=ppt/slides/slide5.xml><?xml version="1.0" encoding="utf-8"?>
+<p:sld xmlns:a="http://schemas.openxmlformats.org/drawingml/2006/main" xmlns:r="http://schemas.openxmlformats.org/officeDocument/2006/relationships" xmlns:p="http://schemas.openxmlformats.org/presentationml/2006/main">
+  <p:cSld>
+    <p:spTree>
+      <p:nvGrpSpPr>
+        <p:cNvPr id="1" name=""/>
+        <p:cNvGrpSpPr/>
+        <p:nvPr/>
+      </p:nvGrpSpPr>
+      <p:grpSpPr>
+        <a:xfrm>
+          <a:off x="0" y="0"/>
+          <a:ext cx="0" cy="0"/>
+          <a:chOff x="0" y="0"/>
+          <a:chExt cx="0" cy="0"/>
+        </a:xfrm>
+      </p:grpSpPr>
+      <p:sp>
+        <p:nvSpPr>
+          <p:cNvPr id="2" name="Title 1">
+            <a:extLst>
+              <a:ext uri="{FF2B5EF4-FFF2-40B4-BE49-F238E27FC236}">
+                <a16:creationId xmlns:a16="http://schemas.microsoft.com/office/drawing/2014/main" id="{0E6E48EB-B970-7540-9C98-F56A26072C83}"/>
+              </a:ext>
+            </a:extLst>
+          </p:cNvPr>
+          <p:cNvSpPr>
+            <a:spLocks noGrp="1"/>
+          </p:cNvSpPr>
+          <p:nvPr>
+            <p:ph type="title"/>
+          </p:nvPr>
+        </p:nvSpPr>
+        <p:spPr/>
+        <p:txBody>
+          <a:bodyPr/>
+          <a:lstStyle/>
+          <a:p>
+            <a:r>
+              <a:rPr lang="en-US" dirty="0"/>
+              <a:t>Carbide Reactor</a:t>
+            </a:r>
+          </a:p>
+        </p:txBody>
+      </p:sp>
+      <p:sp>
+        <p:nvSpPr>
+          <p:cNvPr id="3" name="Content Placeholder 2">
+            <a:extLst>
+              <a:ext uri="{FF2B5EF4-FFF2-40B4-BE49-F238E27FC236}">
+                <a16:creationId xmlns:a16="http://schemas.microsoft.com/office/drawing/2014/main" id="{1848EA96-5F71-BE41-8073-08E85643FDE0}"/>
+              </a:ext>
+            </a:extLst>
+          </p:cNvPr>
+          <p:cNvSpPr>
+            <a:spLocks noGrp="1"/>
+          </p:cNvSpPr>
+          <p:nvPr>
+            <p:ph sz="half" idx="1"/>
+          </p:nvPr>
+        </p:nvSpPr>
+        <p:spPr/>
+        <p:txBody>
+          <a:bodyPr/>
+          <a:lstStyle/>
+          <a:p>
+            <a:r>
+              <a:rPr lang="en-US" sz="2200" dirty="0"/>
+              <a:t>The Indian FBR program, however, started with the introduction of plutonium-rich mixed uranium–plutonium carbide as the driver fuel for 40MWth loop-type fast breeder test reactor (FBTR)</a:t>
+            </a:r>
+          </a:p>
+          <a:p>
+            <a:r>
+              <a:rPr lang="en-US" sz="2200" dirty="0"/>
+              <a:t>The reactor became critical in the year 1985 and it is the only reactor operative on a full core of carbide fuel</a:t>
+            </a:r>
+          </a:p>
+          <a:p>
+            <a:endParaRPr lang="en-US" sz="2200" dirty="0"/>
+          </a:p>
+        </p:txBody>
+      </p:sp>
+      <p:sp>
+        <p:nvSpPr>
+          <p:cNvPr id="4" name="Content Placeholder 3">
+            <a:extLst>
+              <a:ext uri="{FF2B5EF4-FFF2-40B4-BE49-F238E27FC236}">
+                <a16:creationId xmlns:a16="http://schemas.microsoft.com/office/drawing/2014/main" id="{6F1EB0E7-79E6-1345-9EAF-432537458809}"/>
+              </a:ext>
+            </a:extLst>
+          </p:cNvPr>
+          <p:cNvSpPr>
+            <a:spLocks noGrp="1"/>
+          </p:cNvSpPr>
+          <p:nvPr>
+            <p:ph sz="half" idx="2"/>
+          </p:nvPr>
+        </p:nvSpPr>
+        <p:spPr/>
+        <p:txBody>
+          <a:bodyPr/>
+          <a:lstStyle/>
+          <a:p>
+            <a:r>
+              <a:rPr lang="en-US" sz="2200" dirty="0"/>
+              <a:t>Carbide fuel cannot be used in LWR because of its incompatibility with the coolant</a:t>
+            </a:r>
+          </a:p>
+          <a:p>
+            <a:r>
+              <a:rPr lang="en-US" sz="2200" dirty="0"/>
+              <a:t>However, it can be safely used with liquid metal (Na or lead) or gas cooled (CO2 or He) in Gen-IV type of high-temperature reactor</a:t>
+            </a:r>
+          </a:p>
+          <a:p>
+            <a:r>
+              <a:rPr lang="en-US" sz="2200" dirty="0"/>
+              <a:t>Carbide fuel has a breeding ratio of at least 1.30, a doubling time of 15 years or less, and the burnup limit of more than 15 at.%</a:t>
+            </a:r>
+          </a:p>
+          <a:p>
+            <a:endParaRPr lang="en-US" sz="2200" dirty="0"/>
+          </a:p>
+        </p:txBody>
+      </p:sp>
+      <p:sp>
+        <p:nvSpPr>
+          <p:cNvPr id="5" name="Slide Number Placeholder 4">
+            <a:extLst>
+              <a:ext uri="{FF2B5EF4-FFF2-40B4-BE49-F238E27FC236}">
+                <a16:creationId xmlns:a16="http://schemas.microsoft.com/office/drawing/2014/main" id="{D7C05031-D919-E242-AD67-369898A922ED}"/>
+              </a:ext>
+            </a:extLst>
+          </p:cNvPr>
+          <p:cNvSpPr>
+            <a:spLocks noGrp="1"/>
+          </p:cNvSpPr>
+          <p:nvPr>
+            <p:ph type="sldNum" sz="quarter" idx="12"/>
+          </p:nvPr>
+        </p:nvSpPr>
+        <p:spPr/>
+        <p:txBody>
+          <a:bodyPr/>
+          <a:lstStyle/>
+          <a:p>
+            <a:pPr>
+              <a:defRPr/>
+            </a:pPr>
+            <a:fld id="{EC35E9FC-F6D5-0349-BBED-EA7D7A9BC49B}" type="slidenum">
+              <a:rPr lang="en-US" smtClean="0"/>
+              <a:pPr>
+                <a:defRPr/>
+              </a:pPr>
+              <a:t>5</a:t>
+            </a:fld>
+            <a:endParaRPr lang="en-US"/>
+          </a:p>
+        </p:txBody>
+      </p:sp>
+    </p:spTree>
+    <p:extLst>
+      <p:ext uri="{BB962C8B-B14F-4D97-AF65-F5344CB8AC3E}">
+        <p14:creationId xmlns:p14="http://schemas.microsoft.com/office/powerpoint/2010/main" val="258138181"/>
+      </p:ext>
+    </p:extLst>
+  </p:cSld>
+  <p:clrMapOvr>
+    <a:masterClrMapping/>
+  </p:clrMapOvr>
+</p:sld>
+</file>
+
+<file path=ppt/slides/slide6.xml><?xml version="1.0" encoding="utf-8"?>
+<p:sld xmlns:a="http://schemas.openxmlformats.org/drawingml/2006/main" xmlns:r="http://schemas.openxmlformats.org/officeDocument/2006/relationships" xmlns:p="http://schemas.openxmlformats.org/presentationml/2006/main">
+  <p:cSld>
+    <p:spTree>
+      <p:nvGrpSpPr>
+        <p:cNvPr id="1" name=""/>
+        <p:cNvGrpSpPr/>
+        <p:nvPr/>
+      </p:nvGrpSpPr>
+      <p:grpSpPr>
+        <a:xfrm>
+          <a:off x="0" y="0"/>
+          <a:ext cx="0" cy="0"/>
+          <a:chOff x="0" y="0"/>
+          <a:chExt cx="0" cy="0"/>
+        </a:xfrm>
+      </p:grpSpPr>
+      <p:sp>
+        <p:nvSpPr>
+          <p:cNvPr id="2" name="Title 1">
+            <a:extLst>
+              <a:ext uri="{FF2B5EF4-FFF2-40B4-BE49-F238E27FC236}">
+                <a16:creationId xmlns:a16="http://schemas.microsoft.com/office/drawing/2014/main" id="{A52CE25E-C08D-864C-A111-8FD31D8758D5}"/>
+              </a:ext>
+            </a:extLst>
+          </p:cNvPr>
+          <p:cNvSpPr>
+            <a:spLocks noGrp="1"/>
+          </p:cNvSpPr>
+          <p:nvPr>
+            <p:ph type="title"/>
+          </p:nvPr>
+        </p:nvSpPr>
+        <p:spPr/>
+        <p:txBody>
+          <a:bodyPr/>
+          <a:lstStyle/>
+          <a:p>
+            <a:r>
+              <a:rPr lang="en-US" dirty="0"/>
+              <a:t>US Interest in Carbide Fuels</a:t>
+            </a:r>
+          </a:p>
+        </p:txBody>
+      </p:sp>
+      <p:sp>
+        <p:nvSpPr>
+          <p:cNvPr id="3" name="Content Placeholder 2">
+            <a:extLst>
+              <a:ext uri="{FF2B5EF4-FFF2-40B4-BE49-F238E27FC236}">
+                <a16:creationId xmlns:a16="http://schemas.microsoft.com/office/drawing/2014/main" id="{B05D22D5-C79B-564E-B875-7D713E6981FF}"/>
+              </a:ext>
+            </a:extLst>
+          </p:cNvPr>
+          <p:cNvSpPr>
+            <a:spLocks noGrp="1"/>
+          </p:cNvSpPr>
+          <p:nvPr>
+            <p:ph sz="half" idx="1"/>
+          </p:nvPr>
+        </p:nvSpPr>
+        <p:spPr/>
+        <p:txBody>
+          <a:bodyPr/>
+          <a:lstStyle/>
+          <a:p>
+            <a:r>
+              <a:rPr lang="en-US" sz="2200" dirty="0"/>
+              <a:t>Following the oil crisis in 1974, a national advanced liquid-metal-cooled fast breeder reactor (LMFBR) fuels development program was initiated that built upon early years of carbide fuel development</a:t>
+            </a:r>
+          </a:p>
+          <a:p>
+            <a:r>
+              <a:rPr lang="en-US" sz="2200" dirty="0"/>
+              <a:t>Both carbide and nitride fuels offer a middle ground for LMFBR performance because of their higher thermal conductivity, fissile-atom density, and chemical compatibility with liquid sodium, and much higher melting point than metallic fuels</a:t>
+            </a:r>
+          </a:p>
+          <a:p>
+            <a:endParaRPr lang="en-US" sz="2200" dirty="0"/>
+          </a:p>
+          <a:p>
+            <a:endParaRPr lang="en-US" sz="2200" dirty="0"/>
+          </a:p>
+          <a:p>
+            <a:endParaRPr lang="en-US" sz="2200" dirty="0"/>
+          </a:p>
+        </p:txBody>
+      </p:sp>
+      <p:pic>
+        <p:nvPicPr>
+          <p:cNvPr id="5" name="Content Placeholder 4">
+            <a:extLst>
+              <a:ext uri="{FF2B5EF4-FFF2-40B4-BE49-F238E27FC236}">
+                <a16:creationId xmlns:a16="http://schemas.microsoft.com/office/drawing/2014/main" id="{34C5B275-8917-7643-A743-A6A4050A95F4}"/>
+              </a:ext>
+            </a:extLst>
+          </p:cNvPr>
+          <p:cNvPicPr>
+            <a:picLocks noGrp="1" noChangeAspect="1"/>
+          </p:cNvPicPr>
+          <p:nvPr>
+            <p:ph sz="half" idx="2"/>
+          </p:nvPr>
+        </p:nvPicPr>
+        <p:blipFill>
+          <a:blip r:embed="rId2"/>
+          <a:stretch>
+            <a:fillRect/>
+          </a:stretch>
+        </p:blipFill>
+        <p:spPr>
+          <a:xfrm>
+            <a:off x="6197599" y="2520955"/>
+            <a:ext cx="5805517" cy="3291266"/>
+          </a:xfrm>
+          <a:prstGeom prst="rect">
+            <a:avLst/>
+          </a:prstGeom>
+        </p:spPr>
+      </p:pic>
+      <p:sp>
+        <p:nvSpPr>
+          <p:cNvPr id="6" name="Slide Number Placeholder 5">
+            <a:extLst>
+              <a:ext uri="{FF2B5EF4-FFF2-40B4-BE49-F238E27FC236}">
+                <a16:creationId xmlns:a16="http://schemas.microsoft.com/office/drawing/2014/main" id="{A71476E2-4575-6B4B-AB78-2768A20691EE}"/>
+              </a:ext>
+            </a:extLst>
+          </p:cNvPr>
+          <p:cNvSpPr>
+            <a:spLocks noGrp="1"/>
+          </p:cNvSpPr>
+          <p:nvPr>
+            <p:ph type="sldNum" sz="quarter" idx="12"/>
+          </p:nvPr>
+        </p:nvSpPr>
+        <p:spPr/>
+        <p:txBody>
+          <a:bodyPr/>
+          <a:lstStyle/>
+          <a:p>
+            <a:pPr>
+              <a:defRPr/>
+            </a:pPr>
+            <a:fld id="{EC35E9FC-F6D5-0349-BBED-EA7D7A9BC49B}" type="slidenum">
+              <a:rPr lang="en-US" smtClean="0"/>
+              <a:pPr>
+                <a:defRPr/>
+              </a:pPr>
+              <a:t>6</a:t>
+            </a:fld>
+            <a:endParaRPr lang="en-US"/>
+          </a:p>
+        </p:txBody>
+      </p:sp>
+    </p:spTree>
+    <p:extLst>
+      <p:ext uri="{BB962C8B-B14F-4D97-AF65-F5344CB8AC3E}">
+        <p14:creationId xmlns:p14="http://schemas.microsoft.com/office/powerpoint/2010/main" val="1290966002"/>
+      </p:ext>
+    </p:extLst>
+  </p:cSld>
+  <p:clrMapOvr>
+    <a:masterClrMapping/>
+  </p:clrMapOvr>
+</p:sld>
+</file>
+
+<file path=ppt/slides/slide7.xml><?xml version="1.0" encoding="utf-8"?>
+<p:sld xmlns:a="http://schemas.openxmlformats.org/drawingml/2006/main" xmlns:r="http://schemas.openxmlformats.org/officeDocument/2006/relationships" xmlns:p="http://schemas.openxmlformats.org/presentationml/2006/main">
+  <p:cSld>
+    <p:spTree>
+      <p:nvGrpSpPr>
+        <p:cNvPr id="1" name=""/>
+        <p:cNvGrpSpPr/>
+        <p:nvPr/>
+      </p:nvGrpSpPr>
+      <p:grpSpPr>
+        <a:xfrm>
+          <a:off x="0" y="0"/>
+          <a:ext cx="0" cy="0"/>
+          <a:chOff x="0" y="0"/>
+          <a:chExt cx="0" cy="0"/>
+        </a:xfrm>
+      </p:grpSpPr>
+      <p:sp>
+        <p:nvSpPr>
+          <p:cNvPr id="2" name="Title 1">
+            <a:extLst>
+              <a:ext uri="{FF2B5EF4-FFF2-40B4-BE49-F238E27FC236}">
+                <a16:creationId xmlns:a16="http://schemas.microsoft.com/office/drawing/2014/main" id="{082EC2F7-ECEA-1C46-B945-9B4A42DFD0E8}"/>
+              </a:ext>
+            </a:extLst>
+          </p:cNvPr>
+          <p:cNvSpPr>
+            <a:spLocks noGrp="1"/>
+          </p:cNvSpPr>
+          <p:nvPr>
+            <p:ph type="title"/>
+          </p:nvPr>
+        </p:nvSpPr>
+        <p:spPr/>
+        <p:txBody>
+          <a:bodyPr/>
+          <a:lstStyle/>
+          <a:p>
+            <a:r>
+              <a:rPr lang="en-US" dirty="0"/>
+              <a:t>Carbide Pin Designs</a:t>
+            </a:r>
+          </a:p>
+        </p:txBody>
+      </p:sp>
+      <p:sp>
+        <p:nvSpPr>
+          <p:cNvPr id="3" name="Content Placeholder 2">
+            <a:extLst>
+              <a:ext uri="{FF2B5EF4-FFF2-40B4-BE49-F238E27FC236}">
+                <a16:creationId xmlns:a16="http://schemas.microsoft.com/office/drawing/2014/main" id="{D83C09B7-9821-2E48-817A-5ACA221C60AF}"/>
+              </a:ext>
+            </a:extLst>
+          </p:cNvPr>
+          <p:cNvSpPr>
+            <a:spLocks noGrp="1"/>
+          </p:cNvSpPr>
+          <p:nvPr>
+            <p:ph sz="half" idx="1"/>
+          </p:nvPr>
+        </p:nvSpPr>
+        <p:spPr/>
+        <p:txBody>
+          <a:bodyPr/>
+          <a:lstStyle/>
+          <a:p>
+            <a:r>
+              <a:rPr lang="en-US" sz="2200" dirty="0"/>
+              <a:t>There are two concepts available for the carbide fuel pin depending upon the type of bond between the fuel pellet and the cladding material: He-bonded and Na-bonded carbide fuels</a:t>
+            </a:r>
+          </a:p>
+          <a:p>
+            <a:r>
+              <a:rPr lang="en-US" sz="2200" dirty="0"/>
+              <a:t>The average operating fuel temperature of the He-bonded pin is high because of low thermal conductivity of the He bond compared to the Na bond</a:t>
+            </a:r>
+          </a:p>
+          <a:p>
+            <a:r>
+              <a:rPr lang="en-US" sz="2200" dirty="0"/>
+              <a:t>This design requires a larger fuel–clad gap and 85% smear density to accommodate the swelling of the fuel</a:t>
+            </a:r>
+          </a:p>
+          <a:p>
+            <a:endParaRPr lang="en-US" sz="2200" dirty="0"/>
+          </a:p>
+          <a:p>
+            <a:endParaRPr lang="en-US" sz="2200" dirty="0"/>
+          </a:p>
+          <a:p>
+            <a:endParaRPr lang="en-US" sz="2200" dirty="0"/>
+          </a:p>
+          <a:p>
+            <a:endParaRPr lang="en-US" sz="2200" dirty="0"/>
+          </a:p>
+        </p:txBody>
+      </p:sp>
+      <p:sp>
+        <p:nvSpPr>
+          <p:cNvPr id="4" name="Content Placeholder 3">
+            <a:extLst>
+              <a:ext uri="{FF2B5EF4-FFF2-40B4-BE49-F238E27FC236}">
+                <a16:creationId xmlns:a16="http://schemas.microsoft.com/office/drawing/2014/main" id="{AC0BD468-0FF3-AF49-A6B5-57D5753C066E}"/>
+              </a:ext>
+            </a:extLst>
+          </p:cNvPr>
+          <p:cNvSpPr>
+            <a:spLocks noGrp="1"/>
+          </p:cNvSpPr>
+          <p:nvPr>
+            <p:ph sz="half" idx="2"/>
+          </p:nvPr>
+        </p:nvSpPr>
+        <p:spPr/>
+        <p:txBody>
+          <a:bodyPr/>
+          <a:lstStyle/>
+          <a:p>
+            <a:r>
+              <a:rPr lang="en-US" sz="2200" dirty="0"/>
+              <a:t>The fission gas release in a He-bonded pin will be higher compared to that from a sodium-bonded pin, due to the higher temperatures</a:t>
+            </a:r>
+          </a:p>
+          <a:p>
+            <a:r>
+              <a:rPr lang="en-US" sz="2200" dirty="0"/>
+              <a:t>Na-bonded carbide fuel pins also require a reduced smear density compared to oxide fuels to account for fuel swelling</a:t>
+            </a:r>
+          </a:p>
+          <a:p>
+            <a:r>
+              <a:rPr lang="en-US" sz="2200" dirty="0"/>
+              <a:t>The purity of the Na bond is very important, requiring strict tolerances on O content</a:t>
+            </a:r>
+          </a:p>
+          <a:p>
+            <a:endParaRPr lang="en-US" sz="2200" dirty="0"/>
+          </a:p>
+          <a:p>
+            <a:endParaRPr lang="en-US" sz="2200" dirty="0"/>
+          </a:p>
+        </p:txBody>
+      </p:sp>
+      <p:sp>
+        <p:nvSpPr>
+          <p:cNvPr id="5" name="Slide Number Placeholder 4">
+            <a:extLst>
+              <a:ext uri="{FF2B5EF4-FFF2-40B4-BE49-F238E27FC236}">
+                <a16:creationId xmlns:a16="http://schemas.microsoft.com/office/drawing/2014/main" id="{AFE4DD2B-241E-3F45-A29F-08A759C66858}"/>
+              </a:ext>
+            </a:extLst>
+          </p:cNvPr>
+          <p:cNvSpPr>
+            <a:spLocks noGrp="1"/>
+          </p:cNvSpPr>
+          <p:nvPr>
+            <p:ph type="sldNum" sz="quarter" idx="12"/>
+          </p:nvPr>
+        </p:nvSpPr>
+        <p:spPr/>
+        <p:txBody>
+          <a:bodyPr/>
+          <a:lstStyle/>
+          <a:p>
+            <a:pPr>
+              <a:defRPr/>
+            </a:pPr>
+            <a:fld id="{EC35E9FC-F6D5-0349-BBED-EA7D7A9BC49B}" type="slidenum">
+              <a:rPr lang="en-US" smtClean="0"/>
+              <a:pPr>
+                <a:defRPr/>
+              </a:pPr>
+              <a:t>7</a:t>
+            </a:fld>
+            <a:endParaRPr lang="en-US"/>
+          </a:p>
+        </p:txBody>
+      </p:sp>
+    </p:spTree>
+    <p:extLst>
+      <p:ext uri="{BB962C8B-B14F-4D97-AF65-F5344CB8AC3E}">
+        <p14:creationId xmlns:p14="http://schemas.microsoft.com/office/powerpoint/2010/main" val="383872309"/>
+      </p:ext>
+    </p:extLst>
+  </p:cSld>
+  <p:clrMapOvr>
+    <a:masterClrMapping/>
+  </p:clrMapOvr>
+</p:sld>
+</file>
+
+<file path=ppt/slides/slide8.xml><?xml version="1.0" encoding="utf-8"?>
+<p:sld xmlns:a="http://schemas.openxmlformats.org/drawingml/2006/main" xmlns:r="http://schemas.openxmlformats.org/officeDocument/2006/relationships" xmlns:p="http://schemas.openxmlformats.org/presentationml/2006/main">
+  <p:cSld>
+    <p:spTree>
+      <p:nvGrpSpPr>
+        <p:cNvPr id="1" name=""/>
+        <p:cNvGrpSpPr/>
+        <p:nvPr/>
+      </p:nvGrpSpPr>
+      <p:grpSpPr>
+        <a:xfrm>
+          <a:off x="0" y="0"/>
+          <a:ext cx="0" cy="0"/>
+          <a:chOff x="0" y="0"/>
+          <a:chExt cx="0" cy="0"/>
+        </a:xfrm>
+      </p:grpSpPr>
+      <p:sp>
+        <p:nvSpPr>
+          <p:cNvPr id="2" name="Title 1">
+            <a:extLst>
+              <a:ext uri="{FF2B5EF4-FFF2-40B4-BE49-F238E27FC236}">
+                <a16:creationId xmlns:a16="http://schemas.microsoft.com/office/drawing/2014/main" id="{FB05B9F1-8657-D945-BCB0-236F08579EA0}"/>
+              </a:ext>
+            </a:extLst>
+          </p:cNvPr>
+          <p:cNvSpPr>
+            <a:spLocks noGrp="1"/>
+          </p:cNvSpPr>
+          <p:nvPr>
+            <p:ph type="title"/>
+          </p:nvPr>
+        </p:nvSpPr>
+        <p:spPr/>
+        <p:txBody>
+          <a:bodyPr/>
+          <a:lstStyle/>
+          <a:p>
+            <a:r>
+              <a:rPr lang="en-US" dirty="0"/>
+              <a:t>Carbide Fuel Details</a:t>
+            </a:r>
+          </a:p>
+        </p:txBody>
+      </p:sp>
+      <p:sp>
+        <p:nvSpPr>
+          <p:cNvPr id="3" name="Content Placeholder 2">
+            <a:extLst>
+              <a:ext uri="{FF2B5EF4-FFF2-40B4-BE49-F238E27FC236}">
+                <a16:creationId xmlns:a16="http://schemas.microsoft.com/office/drawing/2014/main" id="{61FDEF9C-306C-EE44-9778-68E9B5064630}"/>
+              </a:ext>
+            </a:extLst>
+          </p:cNvPr>
+          <p:cNvSpPr>
+            <a:spLocks noGrp="1"/>
+          </p:cNvSpPr>
+          <p:nvPr>
+            <p:ph sz="half" idx="1"/>
+          </p:nvPr>
+        </p:nvSpPr>
+        <p:spPr/>
+        <p:txBody>
+          <a:bodyPr/>
+          <a:lstStyle/>
+          <a:p>
+            <a:r>
+              <a:rPr lang="en-US" sz="2200" dirty="0"/>
+              <a:t>A </a:t>
+            </a:r>
+            <a:r>
+              <a:rPr lang="en-US" sz="2200" dirty="0" err="1"/>
+              <a:t>hyperstoichiometric</a:t>
+            </a:r>
+            <a:r>
+              <a:rPr lang="en-US" sz="2200" dirty="0"/>
+              <a:t> (C/M&gt;1, carbon to metal ratio) fuel composition is chosen so that it contains some amount of </a:t>
+            </a:r>
+            <a:r>
+              <a:rPr lang="en-US" sz="2200" dirty="0" err="1"/>
+              <a:t>sesquicarbide</a:t>
+            </a:r>
+            <a:r>
+              <a:rPr lang="en-US" sz="2200" dirty="0"/>
+              <a:t> M2C3 phase (M=</a:t>
+            </a:r>
+            <a:r>
+              <a:rPr lang="en-US" sz="2200" dirty="0" err="1"/>
+              <a:t>U+Pu</a:t>
+            </a:r>
+            <a:r>
+              <a:rPr lang="en-US" sz="2200" dirty="0"/>
+              <a:t>), which accounts for the decrease in (C/M) ratio with burnup</a:t>
+            </a:r>
+          </a:p>
+          <a:p>
+            <a:r>
+              <a:rPr lang="en-US" sz="2200" dirty="0"/>
+              <a:t>A sufficiently low C/M ratio may result in the formation of actinide metal phases, which may form low-melting eutectic with the cladding and limit the life of the fuel pin</a:t>
+            </a:r>
+          </a:p>
+          <a:p>
+            <a:endParaRPr lang="en-US" sz="2200" dirty="0"/>
+          </a:p>
+          <a:p>
+            <a:endParaRPr lang="en-US" sz="2200" dirty="0"/>
+          </a:p>
+        </p:txBody>
+      </p:sp>
+      <p:sp>
+        <p:nvSpPr>
+          <p:cNvPr id="4" name="Content Placeholder 3">
+            <a:extLst>
+              <a:ext uri="{FF2B5EF4-FFF2-40B4-BE49-F238E27FC236}">
+                <a16:creationId xmlns:a16="http://schemas.microsoft.com/office/drawing/2014/main" id="{2EA0D0FD-D89A-C544-A6F9-1ED4AB392FBE}"/>
+              </a:ext>
+            </a:extLst>
+          </p:cNvPr>
+          <p:cNvSpPr>
+            <a:spLocks noGrp="1"/>
+          </p:cNvSpPr>
+          <p:nvPr>
+            <p:ph sz="half" idx="2"/>
+          </p:nvPr>
+        </p:nvSpPr>
+        <p:spPr/>
+        <p:txBody>
+          <a:bodyPr/>
+          <a:lstStyle/>
+          <a:p>
+            <a:r>
+              <a:rPr lang="en-US" sz="2200" dirty="0"/>
+              <a:t>FCMI can potentially exist, depending upon the operating temperature of the fuel</a:t>
+            </a:r>
+          </a:p>
+          <a:p>
+            <a:r>
+              <a:rPr lang="en-US" sz="2200" dirty="0"/>
+              <a:t>O and N impurities play important roles, as they act as ‘carbon equivalent’, which affect the carbon potential of the fuel</a:t>
+            </a:r>
+          </a:p>
+          <a:p>
+            <a:endParaRPr lang="en-US" sz="2200" dirty="0"/>
+          </a:p>
+          <a:p>
+            <a:endParaRPr lang="en-US" sz="2200" dirty="0"/>
+          </a:p>
+        </p:txBody>
+      </p:sp>
+      <p:pic>
+        <p:nvPicPr>
+          <p:cNvPr id="5" name="Picture 4">
+            <a:extLst>
+              <a:ext uri="{FF2B5EF4-FFF2-40B4-BE49-F238E27FC236}">
+                <a16:creationId xmlns:a16="http://schemas.microsoft.com/office/drawing/2014/main" id="{C986DF4E-5487-084A-8406-3D3F07D022A2}"/>
+              </a:ext>
+            </a:extLst>
+          </p:cNvPr>
+          <p:cNvPicPr>
+            <a:picLocks noChangeAspect="1"/>
+          </p:cNvPicPr>
+          <p:nvPr/>
+        </p:nvPicPr>
+        <p:blipFill>
+          <a:blip r:embed="rId2"/>
+          <a:stretch>
+            <a:fillRect/>
+          </a:stretch>
+        </p:blipFill>
+        <p:spPr>
+          <a:xfrm>
+            <a:off x="6381156" y="4477245"/>
+            <a:ext cx="4712887" cy="2244232"/>
+          </a:xfrm>
+          <a:prstGeom prst="rect">
+            <a:avLst/>
+          </a:prstGeom>
+        </p:spPr>
+      </p:pic>
+      <p:sp>
+        <p:nvSpPr>
+          <p:cNvPr id="6" name="Slide Number Placeholder 5">
+            <a:extLst>
+              <a:ext uri="{FF2B5EF4-FFF2-40B4-BE49-F238E27FC236}">
+                <a16:creationId xmlns:a16="http://schemas.microsoft.com/office/drawing/2014/main" id="{3EA86367-26E1-E346-97CE-8311FC1FD947}"/>
+              </a:ext>
+            </a:extLst>
+          </p:cNvPr>
+          <p:cNvSpPr>
+            <a:spLocks noGrp="1"/>
+          </p:cNvSpPr>
+          <p:nvPr>
+            <p:ph type="sldNum" sz="quarter" idx="12"/>
+          </p:nvPr>
+        </p:nvSpPr>
+        <p:spPr/>
+        <p:txBody>
+          <a:bodyPr/>
+          <a:lstStyle/>
+          <a:p>
+            <a:pPr>
+              <a:defRPr/>
+            </a:pPr>
+            <a:fld id="{EC35E9FC-F6D5-0349-BBED-EA7D7A9BC49B}" type="slidenum">
+              <a:rPr lang="en-US" smtClean="0"/>
+              <a:pPr>
+                <a:defRPr/>
+              </a:pPr>
+              <a:t>8</a:t>
+            </a:fld>
+            <a:endParaRPr lang="en-US"/>
+          </a:p>
+        </p:txBody>
+      </p:sp>
+    </p:spTree>
+    <p:extLst>
+      <p:ext uri="{BB962C8B-B14F-4D97-AF65-F5344CB8AC3E}">
+        <p14:creationId xmlns:p14="http://schemas.microsoft.com/office/powerpoint/2010/main" val="866820748"/>
+      </p:ext>
+    </p:extLst>
+  </p:cSld>
+  <p:clrMapOvr>
+    <a:masterClrMapping/>
+  </p:clrMapOvr>
+</p:sld>
+</file>
+
+<file path=ppt/slides/slide9.xml><?xml version="1.0" encoding="utf-8"?>
+<p:sld xmlns:a="http://schemas.openxmlformats.org/drawingml/2006/main" xmlns:r="http://schemas.openxmlformats.org/officeDocument/2006/relationships" xmlns:p="http://schemas.openxmlformats.org/presentationml/2006/main">
+  <p:cSld>
+    <p:spTree>
+      <p:nvGrpSpPr>
+        <p:cNvPr id="1" name=""/>
+        <p:cNvGrpSpPr/>
+        <p:nvPr/>
+      </p:nvGrpSpPr>
+      <p:grpSpPr>
+        <a:xfrm>
+          <a:off x="0" y="0"/>
+          <a:ext cx="0" cy="0"/>
+          <a:chOff x="0" y="0"/>
+          <a:chExt cx="0" cy="0"/>
+        </a:xfrm>
+      </p:grpSpPr>
+      <p:sp>
+        <p:nvSpPr>
+          <p:cNvPr id="2" name="Title 1">
+            <a:extLst>
+              <a:ext uri="{FF2B5EF4-FFF2-40B4-BE49-F238E27FC236}">
+                <a16:creationId xmlns:a16="http://schemas.microsoft.com/office/drawing/2014/main" id="{E83A0BB2-F999-A149-87DE-31AF525C3360}"/>
+              </a:ext>
+            </a:extLst>
+          </p:cNvPr>
+          <p:cNvSpPr>
+            <a:spLocks noGrp="1"/>
+          </p:cNvSpPr>
+          <p:nvPr>
+            <p:ph type="title"/>
+          </p:nvPr>
+        </p:nvSpPr>
+        <p:spPr/>
+        <p:txBody>
+          <a:bodyPr/>
+          <a:lstStyle/>
+          <a:p>
+            <a:r>
+              <a:rPr lang="en-US" dirty="0"/>
+              <a:t>Phase Diagrams of Carbides</a:t>
+            </a:r>
+          </a:p>
+        </p:txBody>
+      </p:sp>
+      <p:pic>
+        <p:nvPicPr>
+          <p:cNvPr id="6" name="Content Placeholder 5">
+            <a:extLst>
+              <a:ext uri="{FF2B5EF4-FFF2-40B4-BE49-F238E27FC236}">
+                <a16:creationId xmlns:a16="http://schemas.microsoft.com/office/drawing/2014/main" id="{165A8731-948F-0340-96A1-1D477E926424}"/>
+              </a:ext>
+            </a:extLst>
+          </p:cNvPr>
+          <p:cNvPicPr>
+            <a:picLocks noGrp="1" noChangeAspect="1"/>
+          </p:cNvPicPr>
+          <p:nvPr>
+            <p:ph sz="half" idx="1"/>
+          </p:nvPr>
+        </p:nvPicPr>
+        <p:blipFill>
+          <a:blip r:embed="rId2"/>
+          <a:stretch>
+            <a:fillRect/>
+          </a:stretch>
+        </p:blipFill>
+        <p:spPr>
+          <a:xfrm>
+            <a:off x="609600" y="1973971"/>
+            <a:ext cx="5384800" cy="4146720"/>
+          </a:xfrm>
+          <a:prstGeom prst="rect">
+            <a:avLst/>
+          </a:prstGeom>
+        </p:spPr>
+      </p:pic>
+      <p:pic>
+        <p:nvPicPr>
+          <p:cNvPr id="7" name="Content Placeholder 6">
+            <a:extLst>
+              <a:ext uri="{FF2B5EF4-FFF2-40B4-BE49-F238E27FC236}">
+                <a16:creationId xmlns:a16="http://schemas.microsoft.com/office/drawing/2014/main" id="{2F07296D-3AF3-0741-B841-0AA9B7F84D5F}"/>
+              </a:ext>
+            </a:extLst>
+          </p:cNvPr>
+          <p:cNvPicPr>
+            <a:picLocks noGrp="1" noChangeAspect="1"/>
+          </p:cNvPicPr>
+          <p:nvPr>
+            <p:ph sz="half" idx="2"/>
+          </p:nvPr>
+        </p:nvPicPr>
+        <p:blipFill>
+          <a:blip r:embed="rId3"/>
+          <a:stretch>
+            <a:fillRect/>
+          </a:stretch>
+        </p:blipFill>
+        <p:spPr>
+          <a:xfrm>
+            <a:off x="6324273" y="1968500"/>
+            <a:ext cx="5131453" cy="4157663"/>
+          </a:xfrm>
+          <a:prstGeom prst="rect">
+            <a:avLst/>
+          </a:prstGeom>
+        </p:spPr>
+      </p:pic>
+      <p:sp>
+        <p:nvSpPr>
+          <p:cNvPr id="5" name="Slide Number Placeholder 4">
+            <a:extLst>
+              <a:ext uri="{FF2B5EF4-FFF2-40B4-BE49-F238E27FC236}">
+                <a16:creationId xmlns:a16="http://schemas.microsoft.com/office/drawing/2014/main" id="{4EE83E78-012B-1E47-B16F-E9D3BA390399}"/>
+              </a:ext>
+            </a:extLst>
+          </p:cNvPr>
+          <p:cNvSpPr>
+            <a:spLocks noGrp="1"/>
+          </p:cNvSpPr>
+          <p:nvPr>
+            <p:ph type="sldNum" sz="quarter" idx="12"/>
+          </p:nvPr>
+        </p:nvSpPr>
+        <p:spPr/>
+        <p:txBody>
+          <a:bodyPr/>
+          <a:lstStyle/>
+          <a:p>
+            <a:pPr>
+              <a:defRPr/>
+            </a:pPr>
+            <a:fld id="{EC35E9FC-F6D5-0349-BBED-EA7D7A9BC49B}" type="slidenum">
+              <a:rPr lang="en-US" smtClean="0"/>
+              <a:pPr>
+                <a:defRPr/>
+              </a:pPr>
+              <a:t>9</a:t>
+            </a:fld>
+            <a:endParaRPr lang="en-US"/>
+          </a:p>
+        </p:txBody>
+      </p:sp>
+    </p:spTree>
+    <p:extLst>
+      <p:ext uri="{BB962C8B-B14F-4D97-AF65-F5344CB8AC3E}">
+        <p14:creationId xmlns:p14="http://schemas.microsoft.com/office/powerpoint/2010/main" val="505813635"/>
       </p:ext>
     </p:extLst>
   </p:cSld>
@@ -4000,4 +5997,299 @@
   </a:objectDefaults>
   <a:extraClrSchemeLst/>
 </a:theme>
+</file>
+
+<file path=ppt/theme/theme2.xml><?xml version="1.0" encoding="utf-8"?>
+<a:theme xmlns:a="http://schemas.openxmlformats.org/drawingml/2006/main" name="Office Theme">
+  <a:themeElements>
+    <a:clrScheme name="Office">
+      <a:dk1>
+        <a:sysClr val="windowText" lastClr="000000"/>
+      </a:dk1>
+      <a:lt1>
+        <a:sysClr val="window" lastClr="FFFFFF"/>
+      </a:lt1>
+      <a:dk2>
+        <a:srgbClr val="44546A"/>
+      </a:dk2>
+      <a:lt2>
+        <a:srgbClr val="E7E6E6"/>
+      </a:lt2>
+      <a:accent1>
+        <a:srgbClr val="4472C4"/>
+      </a:accent1>
+      <a:accent2>
+        <a:srgbClr val="ED7D31"/>
+      </a:accent2>
+      <a:accent3>
+        <a:srgbClr val="A5A5A5"/>
+      </a:accent3>
+      <a:accent4>
+        <a:srgbClr val="FFC000"/>
+      </a:accent4>
+      <a:accent5>
+        <a:srgbClr val="5B9BD5"/>
+      </a:accent5>
+      <a:accent6>
+        <a:srgbClr val="70AD47"/>
+      </a:accent6>
+      <a:hlink>
+        <a:srgbClr val="0563C1"/>
+      </a:hlink>
+      <a:folHlink>
+        <a:srgbClr val="954F72"/>
+      </a:folHlink>
+    </a:clrScheme>
+    <a:fontScheme name="Office">
+      <a:majorFont>
+        <a:latin typeface="Calibri Light" panose="020F0302020204030204"/>
+        <a:ea typeface=""/>
+        <a:cs typeface=""/>
+        <a:font script="Jpan" typeface="游ゴシック Light"/>
+        <a:font script="Hang" typeface="맑은 고딕"/>
+        <a:font script="Hans" typeface="等线 Light"/>
+        <a:font script="Hant" typeface="新細明體"/>
+        <a:font script="Arab" typeface="Times New Roman"/>
+        <a:font script="Hebr" typeface="Times New Roman"/>
+        <a:font script="Thai" typeface="Angsana New"/>
+        <a:font script="Ethi" typeface="Nyala"/>
+        <a:font script="Beng" typeface="Vrinda"/>
+        <a:font script="Gujr" typeface="Shruti"/>
+        <a:font script="Khmr" typeface="MoolBoran"/>
+        <a:font script="Knda" typeface="Tunga"/>
+        <a:font script="Guru" typeface="Raavi"/>
+        <a:font script="Cans" typeface="Euphemia"/>
+        <a:font script="Cher" typeface="Plantagenet Cherokee"/>
+        <a:font script="Yiii" typeface="Microsoft Yi Baiti"/>
+        <a:font script="Tibt" typeface="Microsoft Himalaya"/>
+        <a:font script="Thaa" typeface="MV Boli"/>
+        <a:font script="Deva" typeface="Mangal"/>
+        <a:font script="Telu" typeface="Gautami"/>
+        <a:font script="Taml" typeface="Latha"/>
+        <a:font script="Syrc" typeface="Estrangelo Edessa"/>
+        <a:font script="Orya" typeface="Kalinga"/>
+        <a:font script="Mlym" typeface="Kartika"/>
+        <a:font script="Laoo" typeface="DokChampa"/>
+        <a:font script="Sinh" typeface="Iskoola Pota"/>
+        <a:font script="Mong" typeface="Mongolian Baiti"/>
+        <a:font script="Viet" typeface="Times New Roman"/>
+        <a:font script="Uigh" typeface="Microsoft Uighur"/>
+        <a:font script="Geor" typeface="Sylfaen"/>
+        <a:font script="Armn" typeface="Arial"/>
+        <a:font script="Bugi" typeface="Leelawadee UI"/>
+        <a:font script="Bopo" typeface="Microsoft JhengHei"/>
+        <a:font script="Java" typeface="Javanese Text"/>
+        <a:font script="Lisu" typeface="Segoe UI"/>
+        <a:font script="Mymr" typeface="Myanmar Text"/>
+        <a:font script="Nkoo" typeface="Ebrima"/>
+        <a:font script="Olck" typeface="Nirmala UI"/>
+        <a:font script="Osma" typeface="Ebrima"/>
+        <a:font script="Phag" typeface="Phagspa"/>
+        <a:font script="Syrn" typeface="Estrangelo Edessa"/>
+        <a:font script="Syrj" typeface="Estrangelo Edessa"/>
+        <a:font script="Syre" typeface="Estrangelo Edessa"/>
+        <a:font script="Sora" typeface="Nirmala UI"/>
+        <a:font script="Tale" typeface="Microsoft Tai Le"/>
+        <a:font script="Talu" typeface="Microsoft New Tai Lue"/>
+        <a:font script="Tfng" typeface="Ebrima"/>
+      </a:majorFont>
+      <a:minorFont>
+        <a:latin typeface="Calibri" panose="020F0502020204030204"/>
+        <a:ea typeface=""/>
+        <a:cs typeface=""/>
+        <a:font script="Jpan" typeface="游ゴシック"/>
+        <a:font script="Hang" typeface="맑은 고딕"/>
+        <a:font script="Hans" typeface="等线"/>
+        <a:font script="Hant" typeface="新細明體"/>
+        <a:font script="Arab" typeface="Arial"/>
+        <a:font script="Hebr" typeface="Arial"/>
+        <a:font script="Thai" typeface="Cordia New"/>
+        <a:font script="Ethi" typeface="Nyala"/>
+        <a:font script="Beng" typeface="Vrinda"/>
+        <a:font script="Gujr" typeface="Shruti"/>
+        <a:font script="Khmr" typeface="DaunPenh"/>
+        <a:font script="Knda" typeface="Tunga"/>
+        <a:font script="Guru" typeface="Raavi"/>
+        <a:font script="Cans" typeface="Euphemia"/>
+        <a:font script="Cher" typeface="Plantagenet Cherokee"/>
+        <a:font script="Yiii" typeface="Microsoft Yi Baiti"/>
+        <a:font script="Tibt" typeface="Microsoft Himalaya"/>
+        <a:font script="Thaa" typeface="MV Boli"/>
+        <a:font script="Deva" typeface="Mangal"/>
+        <a:font script="Telu" typeface="Gautami"/>
+        <a:font script="Taml" typeface="Latha"/>
+        <a:font script="Syrc" typeface="Estrangelo Edessa"/>
+        <a:font script="Orya" typeface="Kalinga"/>
+        <a:font script="Mlym" typeface="Kartika"/>
+        <a:font script="Laoo" typeface="DokChampa"/>
+        <a:font script="Sinh" typeface="Iskoola Pota"/>
+        <a:font script="Mong" typeface="Mongolian Baiti"/>
+        <a:font script="Viet" typeface="Arial"/>
+        <a:font script="Uigh" typeface="Microsoft Uighur"/>
+        <a:font script="Geor" typeface="Sylfaen"/>
+        <a:font script="Armn" typeface="Arial"/>
+        <a:font script="Bugi" typeface="Leelawadee UI"/>
+        <a:font script="Bopo" typeface="Microsoft JhengHei"/>
+        <a:font script="Java" typeface="Javanese Text"/>
+        <a:font script="Lisu" typeface="Segoe UI"/>
+        <a:font script="Mymr" typeface="Myanmar Text"/>
+        <a:font script="Nkoo" typeface="Ebrima"/>
+        <a:font script="Olck" typeface="Nirmala UI"/>
+        <a:font script="Osma" typeface="Ebrima"/>
+        <a:font script="Phag" typeface="Phagspa"/>
+        <a:font script="Syrn" typeface="Estrangelo Edessa"/>
+        <a:font script="Syrj" typeface="Estrangelo Edessa"/>
+        <a:font script="Syre" typeface="Estrangelo Edessa"/>
+        <a:font script="Sora" typeface="Nirmala UI"/>
+        <a:font script="Tale" typeface="Microsoft Tai Le"/>
+        <a:font script="Talu" typeface="Microsoft New Tai Lue"/>
+        <a:font script="Tfng" typeface="Ebrima"/>
+      </a:minorFont>
+    </a:fontScheme>
+    <a:fmtScheme name="Office">
+      <a:fillStyleLst>
+        <a:solidFill>
+          <a:schemeClr val="phClr"/>
+        </a:solidFill>
+        <a:gradFill rotWithShape="1">
+          <a:gsLst>
+            <a:gs pos="0">
+              <a:schemeClr val="phClr">
+                <a:lumMod val="110000"/>
+                <a:satMod val="105000"/>
+                <a:tint val="67000"/>
+              </a:schemeClr>
+            </a:gs>
+            <a:gs pos="50000">
+              <a:schemeClr val="phClr">
+                <a:lumMod val="105000"/>
+                <a:satMod val="103000"/>
+                <a:tint val="73000"/>
+              </a:schemeClr>
+            </a:gs>
+            <a:gs pos="100000">
+              <a:schemeClr val="phClr">
+                <a:lumMod val="105000"/>
+                <a:satMod val="109000"/>
+                <a:tint val="81000"/>
+              </a:schemeClr>
+            </a:gs>
+          </a:gsLst>
+          <a:lin ang="5400000" scaled="0"/>
+        </a:gradFill>
+        <a:gradFill rotWithShape="1">
+          <a:gsLst>
+            <a:gs pos="0">
+              <a:schemeClr val="phClr">
+                <a:satMod val="103000"/>
+                <a:lumMod val="102000"/>
+                <a:tint val="94000"/>
+              </a:schemeClr>
+            </a:gs>
+            <a:gs pos="50000">
+              <a:schemeClr val="phClr">
+                <a:satMod val="110000"/>
+                <a:lumMod val="100000"/>
+                <a:shade val="100000"/>
+              </a:schemeClr>
+            </a:gs>
+            <a:gs pos="100000">
+              <a:schemeClr val="phClr">
+                <a:lumMod val="99000"/>
+                <a:satMod val="120000"/>
+                <a:shade val="78000"/>
+              </a:schemeClr>
+            </a:gs>
+          </a:gsLst>
+          <a:lin ang="5400000" scaled="0"/>
+        </a:gradFill>
+      </a:fillStyleLst>
+      <a:lnStyleLst>
+        <a:ln w="6350" cap="flat" cmpd="sng" algn="ctr">
+          <a:solidFill>
+            <a:schemeClr val="phClr"/>
+          </a:solidFill>
+          <a:prstDash val="solid"/>
+          <a:miter lim="800000"/>
+        </a:ln>
+        <a:ln w="12700" cap="flat" cmpd="sng" algn="ctr">
+          <a:solidFill>
+            <a:schemeClr val="phClr"/>
+          </a:solidFill>
+          <a:prstDash val="solid"/>
+          <a:miter lim="800000"/>
+        </a:ln>
+        <a:ln w="19050" cap="flat" cmpd="sng" algn="ctr">
+          <a:solidFill>
+            <a:schemeClr val="phClr"/>
+          </a:solidFill>
+          <a:prstDash val="solid"/>
+          <a:miter lim="800000"/>
+        </a:ln>
+      </a:lnStyleLst>
+      <a:effectStyleLst>
+        <a:effectStyle>
+          <a:effectLst/>
+        </a:effectStyle>
+        <a:effectStyle>
+          <a:effectLst/>
+        </a:effectStyle>
+        <a:effectStyle>
+          <a:effectLst>
+            <a:outerShdw blurRad="57150" dist="19050" dir="5400000" algn="ctr" rotWithShape="0">
+              <a:srgbClr val="000000">
+                <a:alpha val="63000"/>
+              </a:srgbClr>
+            </a:outerShdw>
+          </a:effectLst>
+        </a:effectStyle>
+      </a:effectStyleLst>
+      <a:bgFillStyleLst>
+        <a:solidFill>
+          <a:schemeClr val="phClr"/>
+        </a:solidFill>
+        <a:solidFill>
+          <a:schemeClr val="phClr">
+            <a:tint val="95000"/>
+            <a:satMod val="170000"/>
+          </a:schemeClr>
+        </a:solidFill>
+        <a:gradFill rotWithShape="1">
+          <a:gsLst>
+            <a:gs pos="0">
+              <a:schemeClr val="phClr">
+                <a:tint val="93000"/>
+                <a:satMod val="150000"/>
+                <a:shade val="98000"/>
+                <a:lumMod val="102000"/>
+              </a:schemeClr>
+            </a:gs>
+            <a:gs pos="50000">
+              <a:schemeClr val="phClr">
+                <a:tint val="98000"/>
+                <a:satMod val="130000"/>
+                <a:shade val="90000"/>
+                <a:lumMod val="103000"/>
+              </a:schemeClr>
+            </a:gs>
+            <a:gs pos="100000">
+              <a:schemeClr val="phClr">
+                <a:shade val="63000"/>
+                <a:satMod val="120000"/>
+              </a:schemeClr>
+            </a:gs>
+          </a:gsLst>
+          <a:lin ang="5400000" scaled="0"/>
+        </a:gradFill>
+      </a:bgFillStyleLst>
+    </a:fmtScheme>
+  </a:themeElements>
+  <a:objectDefaults/>
+  <a:extraClrSchemeLst/>
+  <a:extLst>
+    <a:ext uri="{05A4C25C-085E-4340-85A3-A5531E510DB2}">
+      <thm15:themeFamily xmlns:thm15="http://schemas.microsoft.com/office/thememl/2012/main" name="Office Theme" id="{62F939B6-93AF-4DB8-9C6B-D6C7DFDC589F}" vid="{4A3C46E8-61CC-4603-A589-7422A47A8E4A}"/>
+    </a:ext>
+  </a:extLst>
+</a:theme>
 </file>
--- a/Advanced Reactor Materials/LecX_carbide_nitride.pptx
+++ b/Advanced Reactor Materials/LecX_carbide_nitride.pptx
@@ -5,7 +5,7 @@
     <p:sldMasterId id="2147483660" r:id="rId1"/>
   </p:sldMasterIdLst>
   <p:notesMasterIdLst>
-    <p:notesMasterId r:id="rId13"/>
+    <p:notesMasterId r:id="rId15"/>
   </p:notesMasterIdLst>
   <p:sldIdLst>
     <p:sldId id="257" r:id="rId2"/>
@@ -16,9 +16,11 @@
     <p:sldId id="411" r:id="rId7"/>
     <p:sldId id="412" r:id="rId8"/>
     <p:sldId id="413" r:id="rId9"/>
-    <p:sldId id="415" r:id="rId10"/>
-    <p:sldId id="414" r:id="rId11"/>
-    <p:sldId id="416" r:id="rId12"/>
+    <p:sldId id="414" r:id="rId10"/>
+    <p:sldId id="416" r:id="rId11"/>
+    <p:sldId id="415" r:id="rId12"/>
+    <p:sldId id="417" r:id="rId13"/>
+    <p:sldId id="418" r:id="rId14"/>
   </p:sldIdLst>
   <p:sldSz cx="12192000" cy="6858000"/>
   <p:notesSz cx="6858000" cy="9144000"/>
@@ -207,7 +209,7 @@
           <a:p>
             <a:fld id="{868CAEED-5450-EE4D-B412-7C72FD553928}" type="datetimeFigureOut">
               <a:rPr lang="en-US" smtClean="0"/>
-              <a:t>10/11/21</a:t>
+              <a:t>10/18/21</a:t>
             </a:fld>
             <a:endParaRPr lang="en-US"/>
           </a:p>
@@ -662,7 +664,7 @@
             </a:pPr>
             <a:fld id="{701F4AFA-AA78-8247-997C-7B9561F110ED}" type="datetime1">
               <a:rPr lang="en-US" smtClean="0"/>
-              <a:t>10/11/21</a:t>
+              <a:t>10/18/21</a:t>
             </a:fld>
             <a:endParaRPr lang="en-US"/>
           </a:p>
@@ -855,7 +857,7 @@
             </a:pPr>
             <a:fld id="{D111DAC8-18C0-9B45-986A-2669BA20399F}" type="datetime1">
               <a:rPr lang="en-US" smtClean="0"/>
-              <a:t>10/11/21</a:t>
+              <a:t>10/18/21</a:t>
             </a:fld>
             <a:endParaRPr lang="en-US"/>
           </a:p>
@@ -1057,7 +1059,7 @@
             </a:pPr>
             <a:fld id="{9A52D4D2-8D81-BF4B-AF4C-E705A1FB5E46}" type="datetime1">
               <a:rPr lang="en-US" smtClean="0"/>
-              <a:t>10/11/21</a:t>
+              <a:t>10/18/21</a:t>
             </a:fld>
             <a:endParaRPr lang="en-US"/>
           </a:p>
@@ -1256,7 +1258,7 @@
             </a:pPr>
             <a:fld id="{7079FF71-E25E-694F-A5A7-3C771CA42C19}" type="datetime1">
               <a:rPr lang="en-US" smtClean="0"/>
-              <a:t>10/11/21</a:t>
+              <a:t>10/18/21</a:t>
             </a:fld>
             <a:endParaRPr lang="en-US"/>
           </a:p>
@@ -1526,7 +1528,7 @@
             </a:pPr>
             <a:fld id="{F7BFAD6E-02AD-1244-AE59-E0A1B32B98B5}" type="datetime1">
               <a:rPr lang="en-US" smtClean="0"/>
-              <a:t>10/11/21</a:t>
+              <a:t>10/18/21</a:t>
             </a:fld>
             <a:endParaRPr lang="en-US"/>
           </a:p>
@@ -1837,7 +1839,7 @@
             </a:pPr>
             <a:fld id="{576AB2AC-9E4E-864F-8F7A-49E837ADFBED}" type="datetime1">
               <a:rPr lang="en-US" smtClean="0"/>
-              <a:t>10/11/21</a:t>
+              <a:t>10/18/21</a:t>
             </a:fld>
             <a:endParaRPr lang="en-US"/>
           </a:p>
@@ -2157,7 +2159,7 @@
             </a:pPr>
             <a:fld id="{72C8D95E-0433-3E41-A2B7-DA6DB5BC1DF2}" type="datetime1">
               <a:rPr lang="en-US" smtClean="0"/>
-              <a:t>10/11/21</a:t>
+              <a:t>10/18/21</a:t>
             </a:fld>
             <a:endParaRPr lang="en-US"/>
           </a:p>
@@ -2298,7 +2300,7 @@
             </a:pPr>
             <a:fld id="{9F400BA3-C81E-754A-8425-9E9DF935F632}" type="datetime1">
               <a:rPr lang="en-US" smtClean="0"/>
-              <a:t>10/11/21</a:t>
+              <a:t>10/18/21</a:t>
             </a:fld>
             <a:endParaRPr lang="en-US"/>
           </a:p>
@@ -2417,7 +2419,7 @@
             </a:pPr>
             <a:fld id="{BE74E7ED-7451-E547-A1B2-E59F9C64C739}" type="datetime1">
               <a:rPr lang="en-US" smtClean="0"/>
-              <a:t>10/11/21</a:t>
+              <a:t>10/18/21</a:t>
             </a:fld>
             <a:endParaRPr lang="en-US"/>
           </a:p>
@@ -2716,7 +2718,7 @@
             </a:pPr>
             <a:fld id="{5FB884CE-1E4B-6341-A1C4-15650419E6FA}" type="datetime1">
               <a:rPr lang="en-US" smtClean="0"/>
-              <a:t>10/11/21</a:t>
+              <a:t>10/18/21</a:t>
             </a:fld>
             <a:endParaRPr lang="en-US"/>
           </a:p>
@@ -3000,7 +3002,7 @@
             </a:pPr>
             <a:fld id="{82E4D19D-ABEE-2F4A-B456-14682B8CC07C}" type="datetime1">
               <a:rPr lang="en-US" smtClean="0"/>
-              <a:t>10/11/21</a:t>
+              <a:t>10/18/21</a:t>
             </a:fld>
             <a:endParaRPr lang="en-US"/>
           </a:p>
@@ -3124,14 +3126,14 @@
           </a:ln>
           <a:extLst>
             <a:ext uri="{909E8E84-426E-40dd-AFC4-6F175D3DCCD1}">
-              <a14:hiddenFill xmlns:a14="http://schemas.microsoft.com/office/drawing/2010/main" xmlns="">
+              <a14:hiddenFill xmlns="" xmlns:a14="http://schemas.microsoft.com/office/drawing/2010/main">
                 <a:solidFill>
                   <a:srgbClr val="FFFFFF"/>
                 </a:solidFill>
               </a14:hiddenFill>
             </a:ext>
             <a:ext uri="{91240B29-F687-4f45-9708-019B960494DF}">
-              <a14:hiddenLine xmlns:a14="http://schemas.microsoft.com/office/drawing/2010/main" xmlns="" w="9525">
+              <a14:hiddenLine xmlns="" xmlns:a14="http://schemas.microsoft.com/office/drawing/2010/main" w="9525">
                 <a:solidFill>
                   <a:srgbClr val="000000"/>
                 </a:solidFill>
@@ -3141,7 +3143,7 @@
               </a14:hiddenLine>
             </a:ext>
             <a:ext uri="{FAA26D3D-D897-4be2-8F04-BA451C77F1D7}">
-              <ma14:placeholderFlag xmlns:ma14="http://schemas.microsoft.com/office/mac/drawingml/2011/main" xmlns="" val="1"/>
+              <ma14:placeholderFlag xmlns="" xmlns:ma14="http://schemas.microsoft.com/office/mac/drawingml/2011/main" val="1"/>
             </a:ext>
           </a:extLst>
         </p:spPr>
@@ -3192,14 +3194,14 @@
           </a:ln>
           <a:extLst>
             <a:ext uri="{909E8E84-426E-40dd-AFC4-6F175D3DCCD1}">
-              <a14:hiddenFill xmlns:a14="http://schemas.microsoft.com/office/drawing/2010/main" xmlns="">
+              <a14:hiddenFill xmlns="" xmlns:a14="http://schemas.microsoft.com/office/drawing/2010/main">
                 <a:solidFill>
                   <a:srgbClr val="FFFFFF"/>
                 </a:solidFill>
               </a14:hiddenFill>
             </a:ext>
             <a:ext uri="{91240B29-F687-4f45-9708-019B960494DF}">
-              <a14:hiddenLine xmlns:a14="http://schemas.microsoft.com/office/drawing/2010/main" xmlns="" w="9525">
+              <a14:hiddenLine xmlns="" xmlns:a14="http://schemas.microsoft.com/office/drawing/2010/main" w="9525">
                 <a:solidFill>
                   <a:srgbClr val="000000"/>
                 </a:solidFill>
@@ -3209,7 +3211,7 @@
               </a14:hiddenLine>
             </a:ext>
             <a:ext uri="{FAA26D3D-D897-4be2-8F04-BA451C77F1D7}">
-              <ma14:placeholderFlag xmlns:ma14="http://schemas.microsoft.com/office/mac/drawingml/2011/main" xmlns="" val="1"/>
+              <ma14:placeholderFlag xmlns="" xmlns:ma14="http://schemas.microsoft.com/office/mac/drawingml/2011/main" val="1"/>
             </a:ext>
           </a:extLst>
         </p:spPr>
@@ -3305,7 +3307,7 @@
             </a:pPr>
             <a:fld id="{D3C5CF7C-57F2-214E-8B3D-31D516F00CF1}" type="datetime1">
               <a:rPr lang="en-US" smtClean="0"/>
-              <a:t>10/11/21</a:t>
+              <a:t>10/18/21</a:t>
             </a:fld>
             <a:endParaRPr lang="en-US" dirty="0"/>
           </a:p>
@@ -4007,7 +4009,7 @@
           <p:cNvPr id="2" name="Title 1">
             <a:extLst>
               <a:ext uri="{FF2B5EF4-FFF2-40B4-BE49-F238E27FC236}">
-                <a16:creationId xmlns:a16="http://schemas.microsoft.com/office/drawing/2014/main" id="{FAA988CC-1BB6-514C-AC44-52BB40C50D42}"/>
+                <a16:creationId xmlns:a16="http://schemas.microsoft.com/office/drawing/2014/main" id="{C7A57BD0-C1CB-C349-A457-2C88A6EF970E}"/>
               </a:ext>
             </a:extLst>
           </p:cNvPr>
@@ -4035,7 +4037,7 @@
           <p:cNvPr id="3" name="Content Placeholder 2">
             <a:extLst>
               <a:ext uri="{FF2B5EF4-FFF2-40B4-BE49-F238E27FC236}">
-                <a16:creationId xmlns:a16="http://schemas.microsoft.com/office/drawing/2014/main" id="{9B16093F-79D4-BF49-AF82-65E548519481}"/>
+                <a16:creationId xmlns:a16="http://schemas.microsoft.com/office/drawing/2014/main" id="{E9F86B96-B1AD-624F-8D43-C46F28840DB8}"/>
               </a:ext>
             </a:extLst>
           </p:cNvPr>
@@ -4053,13 +4055,25 @@
           <a:p>
             <a:r>
               <a:rPr lang="en-US" sz="2200" dirty="0"/>
-              <a:t>The thermophysical properties that are of importance and affect the fuel performance are solidus/liquidus temperature, thermal conductivity, coefficient of thermal expansion, elastic/fracture properties, creep, and hardness at ambient and at high temperatures</a:t>
+              <a:t>The elastic and fracture properties of the fuel are primarily responsible for the extent and severity of FCMI</a:t>
             </a:r>
           </a:p>
           <a:p>
             <a:r>
               <a:rPr lang="en-US" sz="2200" dirty="0"/>
-              <a:t>The solidus/liquidus temperatures along with thermal conductivity limit the fuel operating temperature in terms of linear heating rate</a:t>
+              <a:t>Both thermal-induced and irradiation- induced creep of the fuel also determine the extent of FCMI</a:t>
+            </a:r>
+          </a:p>
+          <a:p>
+            <a:r>
+              <a:rPr lang="en-US" sz="2200" dirty="0"/>
+              <a:t>Mechanical and creep properties depend on composition, second phases, grain size, etc.</a:t>
+            </a:r>
+          </a:p>
+          <a:p>
+            <a:r>
+              <a:rPr lang="en-US" sz="2200" dirty="0"/>
+              <a:t>Pu lowers melting point, decreases thermal conductivity, increases expansion, and soften the fuel</a:t>
             </a:r>
           </a:p>
           <a:p>
@@ -4070,63 +4084,44 @@
           </a:p>
         </p:txBody>
       </p:sp>
-      <p:sp>
-        <p:nvSpPr>
-          <p:cNvPr id="4" name="Content Placeholder 3">
+      <p:pic>
+        <p:nvPicPr>
+          <p:cNvPr id="6" name="Content Placeholder 5">
             <a:extLst>
               <a:ext uri="{FF2B5EF4-FFF2-40B4-BE49-F238E27FC236}">
-                <a16:creationId xmlns:a16="http://schemas.microsoft.com/office/drawing/2014/main" id="{5D1C976F-524A-4B44-90F3-0C48AEE31CA5}"/>
+                <a16:creationId xmlns:a16="http://schemas.microsoft.com/office/drawing/2014/main" id="{31A647DE-3829-494D-9F53-7F4BB235E734}"/>
               </a:ext>
             </a:extLst>
           </p:cNvPr>
-          <p:cNvSpPr>
-            <a:spLocks noGrp="1"/>
-          </p:cNvSpPr>
+          <p:cNvPicPr>
+            <a:picLocks noGrp="1" noChangeAspect="1"/>
+          </p:cNvPicPr>
           <p:nvPr>
             <p:ph sz="half" idx="2"/>
           </p:nvPr>
-        </p:nvSpPr>
+        </p:nvPicPr>
+        <p:blipFill>
+          <a:blip r:embed="rId2"/>
+          <a:stretch>
+            <a:fillRect/>
+          </a:stretch>
+        </p:blipFill>
         <p:spPr>
           <a:xfrm>
-            <a:off x="6197600" y="1968503"/>
-            <a:ext cx="5700110" cy="4157663"/>
+            <a:off x="6197600" y="2895151"/>
+            <a:ext cx="5384800" cy="2304360"/>
           </a:xfrm>
+          <a:prstGeom prst="rect">
+            <a:avLst/>
+          </a:prstGeom>
         </p:spPr>
-        <p:txBody>
-          <a:bodyPr/>
-          <a:lstStyle/>
-          <a:p>
-            <a:r>
-              <a:rPr lang="en-US" sz="2200" dirty="0"/>
-              <a:t>Thermal conductivity determines rate of heat transfer out of fuel and into the cladding</a:t>
-            </a:r>
-          </a:p>
-          <a:p>
-            <a:r>
-              <a:rPr lang="en-US" sz="2200" dirty="0"/>
-              <a:t>Thermal conductivity varies as a function of density, porosity (shape, size, and distribution), composition, presence of a second phase, grain size, etc.</a:t>
-            </a:r>
-          </a:p>
-          <a:p>
-            <a:r>
-              <a:rPr lang="en-US" sz="2200" dirty="0"/>
-              <a:t>Coefficient of thermal expansion is an important design parameter, the stresses generated in the fuel and by the fuel in the cladding are partly due to the difference in the CTE between the fuel and the cladding</a:t>
-            </a:r>
-          </a:p>
-          <a:p>
-            <a:endParaRPr lang="en-US" sz="2200" dirty="0"/>
-          </a:p>
-          <a:p>
-            <a:endParaRPr lang="en-US" sz="2200" dirty="0"/>
-          </a:p>
-        </p:txBody>
-      </p:sp>
+      </p:pic>
       <p:sp>
         <p:nvSpPr>
           <p:cNvPr id="5" name="Slide Number Placeholder 4">
             <a:extLst>
               <a:ext uri="{FF2B5EF4-FFF2-40B4-BE49-F238E27FC236}">
-                <a16:creationId xmlns:a16="http://schemas.microsoft.com/office/drawing/2014/main" id="{C2264A02-2A42-0C4B-8A4E-291E1FA62EB8}"/>
+                <a16:creationId xmlns:a16="http://schemas.microsoft.com/office/drawing/2014/main" id="{B4C3B9DF-A6BF-AF4B-9DEE-02BA4A2DDB5C}"/>
               </a:ext>
             </a:extLst>
           </p:cNvPr>
@@ -4159,7 +4154,7 @@
     </p:spTree>
     <p:extLst>
       <p:ext uri="{BB962C8B-B14F-4D97-AF65-F5344CB8AC3E}">
-        <p14:creationId xmlns:p14="http://schemas.microsoft.com/office/powerpoint/2010/main" val="965333893"/>
+        <p14:creationId xmlns:p14="http://schemas.microsoft.com/office/powerpoint/2010/main" val="4175726249"/>
       </p:ext>
     </p:extLst>
   </p:cSld>
@@ -4191,7 +4186,7 @@
           <p:cNvPr id="2" name="Title 1">
             <a:extLst>
               <a:ext uri="{FF2B5EF4-FFF2-40B4-BE49-F238E27FC236}">
-                <a16:creationId xmlns:a16="http://schemas.microsoft.com/office/drawing/2014/main" id="{C7A57BD0-C1CB-C349-A457-2C88A6EF970E}"/>
+                <a16:creationId xmlns:a16="http://schemas.microsoft.com/office/drawing/2014/main" id="{E83A0BB2-F999-A149-87DE-31AF525C3360}"/>
               </a:ext>
             </a:extLst>
           </p:cNvPr>
@@ -4207,66 +4202,83 @@
           <a:bodyPr/>
           <a:lstStyle/>
           <a:p>
-            <a:endParaRPr lang="en-US"/>
-          </a:p>
-        </p:txBody>
-      </p:sp>
-      <p:sp>
-        <p:nvSpPr>
-          <p:cNvPr id="3" name="Content Placeholder 2">
+            <a:r>
+              <a:rPr lang="en-US" dirty="0"/>
+              <a:t>Phase Diagrams of Carbides</a:t>
+            </a:r>
+          </a:p>
+        </p:txBody>
+      </p:sp>
+      <p:pic>
+        <p:nvPicPr>
+          <p:cNvPr id="6" name="Content Placeholder 5">
             <a:extLst>
               <a:ext uri="{FF2B5EF4-FFF2-40B4-BE49-F238E27FC236}">
-                <a16:creationId xmlns:a16="http://schemas.microsoft.com/office/drawing/2014/main" id="{E9F86B96-B1AD-624F-8D43-C46F28840DB8}"/>
+                <a16:creationId xmlns:a16="http://schemas.microsoft.com/office/drawing/2014/main" id="{165A8731-948F-0340-96A1-1D477E926424}"/>
               </a:ext>
             </a:extLst>
           </p:cNvPr>
-          <p:cNvSpPr>
-            <a:spLocks noGrp="1"/>
-          </p:cNvSpPr>
+          <p:cNvPicPr>
+            <a:picLocks noGrp="1" noChangeAspect="1"/>
+          </p:cNvPicPr>
           <p:nvPr>
             <p:ph sz="half" idx="1"/>
           </p:nvPr>
-        </p:nvSpPr>
-        <p:spPr/>
-        <p:txBody>
-          <a:bodyPr/>
-          <a:lstStyle/>
-          <a:p>
-            <a:endParaRPr lang="en-US"/>
-          </a:p>
-        </p:txBody>
-      </p:sp>
-      <p:sp>
-        <p:nvSpPr>
-          <p:cNvPr id="4" name="Content Placeholder 3">
+        </p:nvPicPr>
+        <p:blipFill>
+          <a:blip r:embed="rId2"/>
+          <a:stretch>
+            <a:fillRect/>
+          </a:stretch>
+        </p:blipFill>
+        <p:spPr>
+          <a:xfrm>
+            <a:off x="609600" y="1973971"/>
+            <a:ext cx="5384800" cy="4146720"/>
+          </a:xfrm>
+          <a:prstGeom prst="rect">
+            <a:avLst/>
+          </a:prstGeom>
+        </p:spPr>
+      </p:pic>
+      <p:pic>
+        <p:nvPicPr>
+          <p:cNvPr id="7" name="Content Placeholder 6">
             <a:extLst>
               <a:ext uri="{FF2B5EF4-FFF2-40B4-BE49-F238E27FC236}">
-                <a16:creationId xmlns:a16="http://schemas.microsoft.com/office/drawing/2014/main" id="{9734D736-94B8-E744-AE9B-79090CF5C4F1}"/>
+                <a16:creationId xmlns:a16="http://schemas.microsoft.com/office/drawing/2014/main" id="{2F07296D-3AF3-0741-B841-0AA9B7F84D5F}"/>
               </a:ext>
             </a:extLst>
           </p:cNvPr>
-          <p:cNvSpPr>
-            <a:spLocks noGrp="1"/>
-          </p:cNvSpPr>
+          <p:cNvPicPr>
+            <a:picLocks noGrp="1" noChangeAspect="1"/>
+          </p:cNvPicPr>
           <p:nvPr>
             <p:ph sz="half" idx="2"/>
           </p:nvPr>
-        </p:nvSpPr>
-        <p:spPr/>
-        <p:txBody>
-          <a:bodyPr/>
-          <a:lstStyle/>
-          <a:p>
-            <a:endParaRPr lang="en-US"/>
-          </a:p>
-        </p:txBody>
-      </p:sp>
+        </p:nvPicPr>
+        <p:blipFill>
+          <a:blip r:embed="rId3"/>
+          <a:stretch>
+            <a:fillRect/>
+          </a:stretch>
+        </p:blipFill>
+        <p:spPr>
+          <a:xfrm>
+            <a:off x="6324273" y="1968500"/>
+            <a:ext cx="5131453" cy="4157663"/>
+          </a:xfrm>
+          <a:prstGeom prst="rect">
+            <a:avLst/>
+          </a:prstGeom>
+        </p:spPr>
+      </p:pic>
       <p:sp>
         <p:nvSpPr>
           <p:cNvPr id="5" name="Slide Number Placeholder 4">
             <a:extLst>
               <a:ext uri="{FF2B5EF4-FFF2-40B4-BE49-F238E27FC236}">
-                <a16:creationId xmlns:a16="http://schemas.microsoft.com/office/drawing/2014/main" id="{B4C3B9DF-A6BF-AF4B-9DEE-02BA4A2DDB5C}"/>
+                <a16:creationId xmlns:a16="http://schemas.microsoft.com/office/drawing/2014/main" id="{4EE83E78-012B-1E47-B16F-E9D3BA390399}"/>
               </a:ext>
             </a:extLst>
           </p:cNvPr>
@@ -4299,7 +4311,373 @@
     </p:spTree>
     <p:extLst>
       <p:ext uri="{BB962C8B-B14F-4D97-AF65-F5344CB8AC3E}">
-        <p14:creationId xmlns:p14="http://schemas.microsoft.com/office/powerpoint/2010/main" val="4175726249"/>
+        <p14:creationId xmlns:p14="http://schemas.microsoft.com/office/powerpoint/2010/main" val="505813635"/>
+      </p:ext>
+    </p:extLst>
+  </p:cSld>
+  <p:clrMapOvr>
+    <a:masterClrMapping/>
+  </p:clrMapOvr>
+</p:sld>
+</file>
+
+<file path=ppt/slides/slide12.xml><?xml version="1.0" encoding="utf-8"?>
+<p:sld xmlns:a="http://schemas.openxmlformats.org/drawingml/2006/main" xmlns:r="http://schemas.openxmlformats.org/officeDocument/2006/relationships" xmlns:p="http://schemas.openxmlformats.org/presentationml/2006/main">
+  <p:cSld>
+    <p:spTree>
+      <p:nvGrpSpPr>
+        <p:cNvPr id="1" name=""/>
+        <p:cNvGrpSpPr/>
+        <p:nvPr/>
+      </p:nvGrpSpPr>
+      <p:grpSpPr>
+        <a:xfrm>
+          <a:off x="0" y="0"/>
+          <a:ext cx="0" cy="0"/>
+          <a:chOff x="0" y="0"/>
+          <a:chExt cx="0" cy="0"/>
+        </a:xfrm>
+      </p:grpSpPr>
+      <p:sp>
+        <p:nvSpPr>
+          <p:cNvPr id="2" name="Title 1">
+            <a:extLst>
+              <a:ext uri="{FF2B5EF4-FFF2-40B4-BE49-F238E27FC236}">
+                <a16:creationId xmlns:a16="http://schemas.microsoft.com/office/drawing/2014/main" id="{19A4D216-B625-6346-A690-6D72AFB88028}"/>
+              </a:ext>
+            </a:extLst>
+          </p:cNvPr>
+          <p:cNvSpPr>
+            <a:spLocks noGrp="1"/>
+          </p:cNvSpPr>
+          <p:nvPr>
+            <p:ph type="title"/>
+          </p:nvPr>
+        </p:nvSpPr>
+        <p:spPr/>
+        <p:txBody>
+          <a:bodyPr/>
+          <a:lstStyle/>
+          <a:p>
+            <a:r>
+              <a:rPr lang="en-US" dirty="0"/>
+              <a:t>U/Pu-C Chemistry</a:t>
+            </a:r>
+          </a:p>
+        </p:txBody>
+      </p:sp>
+      <p:sp>
+        <p:nvSpPr>
+          <p:cNvPr id="3" name="Content Placeholder 2">
+            <a:extLst>
+              <a:ext uri="{FF2B5EF4-FFF2-40B4-BE49-F238E27FC236}">
+                <a16:creationId xmlns:a16="http://schemas.microsoft.com/office/drawing/2014/main" id="{AA14114D-1426-EF4A-8D07-9DE058E7E015}"/>
+              </a:ext>
+            </a:extLst>
+          </p:cNvPr>
+          <p:cNvSpPr>
+            <a:spLocks noGrp="1"/>
+          </p:cNvSpPr>
+          <p:nvPr>
+            <p:ph sz="half" idx="1"/>
+          </p:nvPr>
+        </p:nvSpPr>
+        <p:spPr/>
+        <p:txBody>
+          <a:bodyPr/>
+          <a:lstStyle/>
+          <a:p>
+            <a:r>
+              <a:rPr lang="en-US" sz="2200" dirty="0"/>
+              <a:t>Uranium forms three compounds with carbon: UC, U2C3, and UC2</a:t>
+            </a:r>
+          </a:p>
+          <a:p>
+            <a:r>
+              <a:rPr lang="en-US" sz="2200" dirty="0"/>
+              <a:t>U2C3 has a fixed stoichiometry (is a line compound)</a:t>
+            </a:r>
+          </a:p>
+          <a:p>
+            <a:r>
+              <a:rPr lang="en-US" sz="2200" dirty="0"/>
+              <a:t>UC is stable over a wide temperature and composition range, with a melting point of ~2800 K</a:t>
+            </a:r>
+          </a:p>
+          <a:p>
+            <a:r>
+              <a:rPr lang="en-US" sz="2200" dirty="0"/>
+              <a:t>UC2 is stable in two phases, alpha-UC2 and beta-UC2</a:t>
+            </a:r>
+          </a:p>
+          <a:p>
+            <a:r>
+              <a:rPr lang="en-US" sz="2200" dirty="0"/>
+              <a:t>U2C3 decomposes into UC+alpha-UC2 on heating from 2096 to 2110K and into UC+C below 1400 K</a:t>
+            </a:r>
+          </a:p>
+          <a:p>
+            <a:endParaRPr lang="en-US" sz="2200" dirty="0"/>
+          </a:p>
+          <a:p>
+            <a:endParaRPr lang="en-US" sz="2200" dirty="0"/>
+          </a:p>
+        </p:txBody>
+      </p:sp>
+      <p:sp>
+        <p:nvSpPr>
+          <p:cNvPr id="4" name="Content Placeholder 3">
+            <a:extLst>
+              <a:ext uri="{FF2B5EF4-FFF2-40B4-BE49-F238E27FC236}">
+                <a16:creationId xmlns:a16="http://schemas.microsoft.com/office/drawing/2014/main" id="{A89F90CF-7D43-D548-8498-A3DDE8C3176D}"/>
+              </a:ext>
+            </a:extLst>
+          </p:cNvPr>
+          <p:cNvSpPr>
+            <a:spLocks noGrp="1"/>
+          </p:cNvSpPr>
+          <p:nvPr>
+            <p:ph sz="half" idx="2"/>
+          </p:nvPr>
+        </p:nvSpPr>
+        <p:spPr/>
+        <p:txBody>
+          <a:bodyPr/>
+          <a:lstStyle/>
+          <a:p>
+            <a:r>
+              <a:rPr lang="en-US" sz="2200" dirty="0"/>
+              <a:t>The Pu–C system has four compounds: Pu3C2, PuC1–x, Pu2C3, and PuC2</a:t>
+            </a:r>
+          </a:p>
+          <a:p>
+            <a:r>
+              <a:rPr lang="en-US" sz="2200" dirty="0"/>
+              <a:t>The compound Pu3C2 decomposes into </a:t>
+            </a:r>
+            <a:r>
+              <a:rPr lang="en-US" sz="2200" dirty="0" err="1"/>
+              <a:t>Pu+PuC</a:t>
+            </a:r>
+            <a:r>
+              <a:rPr lang="en-US" sz="2200" dirty="0"/>
+              <a:t> at 848 K</a:t>
+            </a:r>
+          </a:p>
+          <a:p>
+            <a:r>
+              <a:rPr lang="en-US" sz="2200" dirty="0"/>
+              <a:t>The differences in the UC/</a:t>
+            </a:r>
+            <a:r>
+              <a:rPr lang="en-US" sz="2200" dirty="0" err="1"/>
+              <a:t>PuC</a:t>
+            </a:r>
+            <a:r>
+              <a:rPr lang="en-US" sz="2200" dirty="0"/>
+              <a:t> diagrams are mainly due to (</a:t>
+            </a:r>
+            <a:r>
+              <a:rPr lang="en-US" sz="2200" dirty="0" err="1"/>
+              <a:t>i</a:t>
+            </a:r>
+            <a:r>
+              <a:rPr lang="en-US" sz="2200" dirty="0"/>
+              <a:t>) the presence of Pu3C2 compound, (ii) the low stability of </a:t>
+            </a:r>
+            <a:r>
+              <a:rPr lang="en-US" sz="2200" dirty="0" err="1"/>
+              <a:t>PuC</a:t>
+            </a:r>
+            <a:r>
+              <a:rPr lang="en-US" sz="2200" dirty="0"/>
+              <a:t> compared to UC, and (iii) the high stability of Pu2C3 compared to U2C3</a:t>
+            </a:r>
+          </a:p>
+          <a:p>
+            <a:endParaRPr lang="en-US" sz="2200" dirty="0"/>
+          </a:p>
+        </p:txBody>
+      </p:sp>
+      <p:sp>
+        <p:nvSpPr>
+          <p:cNvPr id="5" name="Slide Number Placeholder 4">
+            <a:extLst>
+              <a:ext uri="{FF2B5EF4-FFF2-40B4-BE49-F238E27FC236}">
+                <a16:creationId xmlns:a16="http://schemas.microsoft.com/office/drawing/2014/main" id="{0D550A13-7022-FE4F-AF20-01FCEB05C1DA}"/>
+              </a:ext>
+            </a:extLst>
+          </p:cNvPr>
+          <p:cNvSpPr>
+            <a:spLocks noGrp="1"/>
+          </p:cNvSpPr>
+          <p:nvPr>
+            <p:ph type="sldNum" sz="quarter" idx="12"/>
+          </p:nvPr>
+        </p:nvSpPr>
+        <p:spPr/>
+        <p:txBody>
+          <a:bodyPr/>
+          <a:lstStyle/>
+          <a:p>
+            <a:pPr>
+              <a:defRPr/>
+            </a:pPr>
+            <a:fld id="{EC35E9FC-F6D5-0349-BBED-EA7D7A9BC49B}" type="slidenum">
+              <a:rPr lang="en-US" smtClean="0"/>
+              <a:pPr>
+                <a:defRPr/>
+              </a:pPr>
+              <a:t>12</a:t>
+            </a:fld>
+            <a:endParaRPr lang="en-US" dirty="0"/>
+          </a:p>
+        </p:txBody>
+      </p:sp>
+    </p:spTree>
+    <p:extLst>
+      <p:ext uri="{BB962C8B-B14F-4D97-AF65-F5344CB8AC3E}">
+        <p14:creationId xmlns:p14="http://schemas.microsoft.com/office/powerpoint/2010/main" val="3495141974"/>
+      </p:ext>
+    </p:extLst>
+  </p:cSld>
+  <p:clrMapOvr>
+    <a:masterClrMapping/>
+  </p:clrMapOvr>
+</p:sld>
+</file>
+
+<file path=ppt/slides/slide13.xml><?xml version="1.0" encoding="utf-8"?>
+<p:sld xmlns:a="http://schemas.openxmlformats.org/drawingml/2006/main" xmlns:r="http://schemas.openxmlformats.org/officeDocument/2006/relationships" xmlns:p="http://schemas.openxmlformats.org/presentationml/2006/main">
+  <p:cSld>
+    <p:spTree>
+      <p:nvGrpSpPr>
+        <p:cNvPr id="1" name=""/>
+        <p:cNvGrpSpPr/>
+        <p:nvPr/>
+      </p:nvGrpSpPr>
+      <p:grpSpPr>
+        <a:xfrm>
+          <a:off x="0" y="0"/>
+          <a:ext cx="0" cy="0"/>
+          <a:chOff x="0" y="0"/>
+          <a:chExt cx="0" cy="0"/>
+        </a:xfrm>
+      </p:grpSpPr>
+      <p:sp>
+        <p:nvSpPr>
+          <p:cNvPr id="2" name="Title 1">
+            <a:extLst>
+              <a:ext uri="{FF2B5EF4-FFF2-40B4-BE49-F238E27FC236}">
+                <a16:creationId xmlns:a16="http://schemas.microsoft.com/office/drawing/2014/main" id="{F7721C8F-E88B-7742-AEB2-46AFA5B6409A}"/>
+              </a:ext>
+            </a:extLst>
+          </p:cNvPr>
+          <p:cNvSpPr>
+            <a:spLocks noGrp="1"/>
+          </p:cNvSpPr>
+          <p:nvPr>
+            <p:ph type="title"/>
+          </p:nvPr>
+        </p:nvSpPr>
+        <p:spPr/>
+        <p:txBody>
+          <a:bodyPr/>
+          <a:lstStyle/>
+          <a:p>
+            <a:endParaRPr lang="en-US"/>
+          </a:p>
+        </p:txBody>
+      </p:sp>
+      <p:sp>
+        <p:nvSpPr>
+          <p:cNvPr id="3" name="Content Placeholder 2">
+            <a:extLst>
+              <a:ext uri="{FF2B5EF4-FFF2-40B4-BE49-F238E27FC236}">
+                <a16:creationId xmlns:a16="http://schemas.microsoft.com/office/drawing/2014/main" id="{F4599942-8D3C-BD40-9B74-19BBF1AD0F1A}"/>
+              </a:ext>
+            </a:extLst>
+          </p:cNvPr>
+          <p:cNvSpPr>
+            <a:spLocks noGrp="1"/>
+          </p:cNvSpPr>
+          <p:nvPr>
+            <p:ph sz="half" idx="1"/>
+          </p:nvPr>
+        </p:nvSpPr>
+        <p:spPr/>
+        <p:txBody>
+          <a:bodyPr/>
+          <a:lstStyle/>
+          <a:p>
+            <a:endParaRPr lang="en-US"/>
+          </a:p>
+        </p:txBody>
+      </p:sp>
+      <p:sp>
+        <p:nvSpPr>
+          <p:cNvPr id="4" name="Content Placeholder 3">
+            <a:extLst>
+              <a:ext uri="{FF2B5EF4-FFF2-40B4-BE49-F238E27FC236}">
+                <a16:creationId xmlns:a16="http://schemas.microsoft.com/office/drawing/2014/main" id="{8132A0C8-59E4-6E41-841D-9D641263ABF5}"/>
+              </a:ext>
+            </a:extLst>
+          </p:cNvPr>
+          <p:cNvSpPr>
+            <a:spLocks noGrp="1"/>
+          </p:cNvSpPr>
+          <p:nvPr>
+            <p:ph sz="half" idx="2"/>
+          </p:nvPr>
+        </p:nvSpPr>
+        <p:spPr/>
+        <p:txBody>
+          <a:bodyPr/>
+          <a:lstStyle/>
+          <a:p>
+            <a:endParaRPr lang="en-US"/>
+          </a:p>
+        </p:txBody>
+      </p:sp>
+      <p:sp>
+        <p:nvSpPr>
+          <p:cNvPr id="5" name="Slide Number Placeholder 4">
+            <a:extLst>
+              <a:ext uri="{FF2B5EF4-FFF2-40B4-BE49-F238E27FC236}">
+                <a16:creationId xmlns:a16="http://schemas.microsoft.com/office/drawing/2014/main" id="{7403A8A2-EBA6-8949-81B8-AC8A99940712}"/>
+              </a:ext>
+            </a:extLst>
+          </p:cNvPr>
+          <p:cNvSpPr>
+            <a:spLocks noGrp="1"/>
+          </p:cNvSpPr>
+          <p:nvPr>
+            <p:ph type="sldNum" sz="quarter" idx="12"/>
+          </p:nvPr>
+        </p:nvSpPr>
+        <p:spPr/>
+        <p:txBody>
+          <a:bodyPr/>
+          <a:lstStyle/>
+          <a:p>
+            <a:pPr>
+              <a:defRPr/>
+            </a:pPr>
+            <a:fld id="{EC35E9FC-F6D5-0349-BBED-EA7D7A9BC49B}" type="slidenum">
+              <a:rPr lang="en-US" smtClean="0"/>
+              <a:pPr>
+                <a:defRPr/>
+              </a:pPr>
+              <a:t>13</a:t>
+            </a:fld>
+            <a:endParaRPr lang="en-US"/>
+          </a:p>
+        </p:txBody>
+      </p:sp>
+    </p:spTree>
+    <p:extLst>
+      <p:ext uri="{BB962C8B-B14F-4D97-AF65-F5344CB8AC3E}">
+        <p14:creationId xmlns:p14="http://schemas.microsoft.com/office/powerpoint/2010/main" val="3247148050"/>
       </p:ext>
     </p:extLst>
   </p:cSld>
@@ -5544,7 +5922,7 @@
           <p:cNvPr id="2" name="Title 1">
             <a:extLst>
               <a:ext uri="{FF2B5EF4-FFF2-40B4-BE49-F238E27FC236}">
-                <a16:creationId xmlns:a16="http://schemas.microsoft.com/office/drawing/2014/main" id="{E83A0BB2-F999-A149-87DE-31AF525C3360}"/>
+                <a16:creationId xmlns:a16="http://schemas.microsoft.com/office/drawing/2014/main" id="{FAA988CC-1BB6-514C-AC44-52BB40C50D42}"/>
               </a:ext>
             </a:extLst>
           </p:cNvPr>
@@ -5562,81 +5940,108 @@
           <a:p>
             <a:r>
               <a:rPr lang="en-US" dirty="0"/>
-              <a:t>Phase Diagrams of Carbides</a:t>
-            </a:r>
-          </a:p>
-        </p:txBody>
-      </p:sp>
-      <p:pic>
-        <p:nvPicPr>
-          <p:cNvPr id="6" name="Content Placeholder 5">
+              <a:t>Key Properties</a:t>
+            </a:r>
+          </a:p>
+        </p:txBody>
+      </p:sp>
+      <p:sp>
+        <p:nvSpPr>
+          <p:cNvPr id="3" name="Content Placeholder 2">
             <a:extLst>
               <a:ext uri="{FF2B5EF4-FFF2-40B4-BE49-F238E27FC236}">
-                <a16:creationId xmlns:a16="http://schemas.microsoft.com/office/drawing/2014/main" id="{165A8731-948F-0340-96A1-1D477E926424}"/>
+                <a16:creationId xmlns:a16="http://schemas.microsoft.com/office/drawing/2014/main" id="{9B16093F-79D4-BF49-AF82-65E548519481}"/>
               </a:ext>
             </a:extLst>
           </p:cNvPr>
-          <p:cNvPicPr>
-            <a:picLocks noGrp="1" noChangeAspect="1"/>
-          </p:cNvPicPr>
+          <p:cNvSpPr>
+            <a:spLocks noGrp="1"/>
+          </p:cNvSpPr>
           <p:nvPr>
             <p:ph sz="half" idx="1"/>
           </p:nvPr>
-        </p:nvPicPr>
-        <p:blipFill>
-          <a:blip r:embed="rId2"/>
-          <a:stretch>
-            <a:fillRect/>
-          </a:stretch>
-        </p:blipFill>
-        <p:spPr>
-          <a:xfrm>
-            <a:off x="609600" y="1973971"/>
-            <a:ext cx="5384800" cy="4146720"/>
-          </a:xfrm>
-          <a:prstGeom prst="rect">
-            <a:avLst/>
-          </a:prstGeom>
-        </p:spPr>
-      </p:pic>
-      <p:pic>
-        <p:nvPicPr>
-          <p:cNvPr id="7" name="Content Placeholder 6">
+        </p:nvSpPr>
+        <p:spPr/>
+        <p:txBody>
+          <a:bodyPr/>
+          <a:lstStyle/>
+          <a:p>
+            <a:r>
+              <a:rPr lang="en-US" sz="2200" dirty="0"/>
+              <a:t>The thermophysical properties that are of importance and affect the fuel performance are solidus/liquidus temperature, thermal conductivity, coefficient of thermal expansion, elastic/fracture properties, creep, and hardness at ambient and at high temperatures</a:t>
+            </a:r>
+          </a:p>
+          <a:p>
+            <a:r>
+              <a:rPr lang="en-US" sz="2200" dirty="0"/>
+              <a:t>The solidus/liquidus temperatures along with thermal conductivity limit the fuel operating temperature in terms of linear heating rate</a:t>
+            </a:r>
+          </a:p>
+          <a:p>
+            <a:endParaRPr lang="en-US" sz="2200" dirty="0"/>
+          </a:p>
+          <a:p>
+            <a:endParaRPr lang="en-US" sz="2200" dirty="0"/>
+          </a:p>
+        </p:txBody>
+      </p:sp>
+      <p:sp>
+        <p:nvSpPr>
+          <p:cNvPr id="4" name="Content Placeholder 3">
             <a:extLst>
               <a:ext uri="{FF2B5EF4-FFF2-40B4-BE49-F238E27FC236}">
-                <a16:creationId xmlns:a16="http://schemas.microsoft.com/office/drawing/2014/main" id="{2F07296D-3AF3-0741-B841-0AA9B7F84D5F}"/>
+                <a16:creationId xmlns:a16="http://schemas.microsoft.com/office/drawing/2014/main" id="{5D1C976F-524A-4B44-90F3-0C48AEE31CA5}"/>
               </a:ext>
             </a:extLst>
           </p:cNvPr>
-          <p:cNvPicPr>
-            <a:picLocks noGrp="1" noChangeAspect="1"/>
-          </p:cNvPicPr>
+          <p:cNvSpPr>
+            <a:spLocks noGrp="1"/>
+          </p:cNvSpPr>
           <p:nvPr>
             <p:ph sz="half" idx="2"/>
           </p:nvPr>
-        </p:nvPicPr>
-        <p:blipFill>
-          <a:blip r:embed="rId3"/>
-          <a:stretch>
-            <a:fillRect/>
-          </a:stretch>
-        </p:blipFill>
+        </p:nvSpPr>
         <p:spPr>
           <a:xfrm>
-            <a:off x="6324273" y="1968500"/>
-            <a:ext cx="5131453" cy="4157663"/>
+            <a:off x="6197600" y="1968503"/>
+            <a:ext cx="5700110" cy="4157663"/>
           </a:xfrm>
-          <a:prstGeom prst="rect">
-            <a:avLst/>
-          </a:prstGeom>
         </p:spPr>
-      </p:pic>
+        <p:txBody>
+          <a:bodyPr/>
+          <a:lstStyle/>
+          <a:p>
+            <a:r>
+              <a:rPr lang="en-US" sz="2200" dirty="0"/>
+              <a:t>Thermal conductivity determines rate of heat transfer out of fuel and into the cladding</a:t>
+            </a:r>
+          </a:p>
+          <a:p>
+            <a:r>
+              <a:rPr lang="en-US" sz="2200" dirty="0"/>
+              <a:t>Thermal conductivity varies as a function of density, porosity (shape, size, and distribution), composition, presence of a second phase, grain size, etc.</a:t>
+            </a:r>
+          </a:p>
+          <a:p>
+            <a:r>
+              <a:rPr lang="en-US" sz="2200" dirty="0"/>
+              <a:t>Coefficient of thermal expansion is an important design parameter, the stresses generated in the fuel and by the fuel in the cladding are partly due to the difference in the CTE between the fuel and the cladding</a:t>
+            </a:r>
+          </a:p>
+          <a:p>
+            <a:endParaRPr lang="en-US" sz="2200" dirty="0"/>
+          </a:p>
+          <a:p>
+            <a:endParaRPr lang="en-US" sz="2200" dirty="0"/>
+          </a:p>
+        </p:txBody>
+      </p:sp>
       <p:sp>
         <p:nvSpPr>
           <p:cNvPr id="5" name="Slide Number Placeholder 4">
             <a:extLst>
               <a:ext uri="{FF2B5EF4-FFF2-40B4-BE49-F238E27FC236}">
-                <a16:creationId xmlns:a16="http://schemas.microsoft.com/office/drawing/2014/main" id="{4EE83E78-012B-1E47-B16F-E9D3BA390399}"/>
+                <a16:creationId xmlns:a16="http://schemas.microsoft.com/office/drawing/2014/main" id="{C2264A02-2A42-0C4B-8A4E-291E1FA62EB8}"/>
               </a:ext>
             </a:extLst>
           </p:cNvPr>
@@ -5669,7 +6074,7 @@
     </p:spTree>
     <p:extLst>
       <p:ext uri="{BB962C8B-B14F-4D97-AF65-F5344CB8AC3E}">
-        <p14:creationId xmlns:p14="http://schemas.microsoft.com/office/powerpoint/2010/main" val="505813635"/>
+        <p14:creationId xmlns:p14="http://schemas.microsoft.com/office/powerpoint/2010/main" val="965333893"/>
       </p:ext>
     </p:extLst>
   </p:cSld>
